--- a/2 am/بناء المشاريع 2/2 التحكم/cours 14/عرض الدرس.pptx
+++ b/2 am/بناء المشاريع 2/2 التحكم/cours 14/عرض الدرس.pptx
@@ -5,14 +5,18 @@
     <p:sldMasterId id="2147483648" r:id="rId1"/>
   </p:sldMasterIdLst>
   <p:notesMasterIdLst>
-    <p:notesMasterId r:id="rId7"/>
+    <p:notesMasterId r:id="rId11"/>
   </p:notesMasterIdLst>
   <p:sldIdLst>
     <p:sldId id="256" r:id="rId2"/>
     <p:sldId id="257" r:id="rId3"/>
     <p:sldId id="269" r:id="rId4"/>
-    <p:sldId id="268" r:id="rId5"/>
-    <p:sldId id="266" r:id="rId6"/>
+    <p:sldId id="270" r:id="rId5"/>
+    <p:sldId id="271" r:id="rId6"/>
+    <p:sldId id="272" r:id="rId7"/>
+    <p:sldId id="268" r:id="rId8"/>
+    <p:sldId id="273" r:id="rId9"/>
+    <p:sldId id="266" r:id="rId10"/>
   </p:sldIdLst>
   <p:sldSz cx="12192000" cy="6858000"/>
   <p:notesSz cx="6858000" cy="9144000"/>
@@ -201,7 +205,7 @@
           <a:p>
             <a:fld id="{04809ED0-CAD5-44E1-91E8-3616676F7223}" type="datetimeFigureOut">
               <a:rPr lang="fr-FR" smtClean="0"/>
-              <a:t>22/02/2025</a:t>
+              <a:t>14/04/2025</a:t>
             </a:fld>
             <a:endParaRPr lang="fr-FR"/>
           </a:p>
@@ -637,6 +641,258 @@
 </p:notes>
 </file>
 
+<file path=ppt/notesSlides/notesSlide3.xml><?xml version="1.0" encoding="utf-8"?>
+<p:notes xmlns:a="http://schemas.openxmlformats.org/drawingml/2006/main" xmlns:r="http://schemas.openxmlformats.org/officeDocument/2006/relationships" xmlns:p="http://schemas.openxmlformats.org/presentationml/2006/main">
+  <p:cSld>
+    <p:spTree>
+      <p:nvGrpSpPr>
+        <p:cNvPr id="1" name=""/>
+        <p:cNvGrpSpPr/>
+        <p:nvPr/>
+      </p:nvGrpSpPr>
+      <p:grpSpPr>
+        <a:xfrm>
+          <a:off x="0" y="0"/>
+          <a:ext cx="0" cy="0"/>
+          <a:chOff x="0" y="0"/>
+          <a:chExt cx="0" cy="0"/>
+        </a:xfrm>
+      </p:grpSpPr>
+      <p:sp>
+        <p:nvSpPr>
+          <p:cNvPr id="2" name="Espace réservé de l'image des diapositives 1"/>
+          <p:cNvSpPr>
+            <a:spLocks noGrp="1" noRot="1" noChangeAspect="1"/>
+          </p:cNvSpPr>
+          <p:nvPr>
+            <p:ph type="sldImg"/>
+          </p:nvPr>
+        </p:nvSpPr>
+        <p:spPr/>
+      </p:sp>
+      <p:sp>
+        <p:nvSpPr>
+          <p:cNvPr id="3" name="Espace réservé des commentaires 2"/>
+          <p:cNvSpPr>
+            <a:spLocks noGrp="1"/>
+          </p:cNvSpPr>
+          <p:nvPr>
+            <p:ph type="body" idx="1"/>
+          </p:nvPr>
+        </p:nvSpPr>
+        <p:spPr/>
+        <p:txBody>
+          <a:bodyPr/>
+          <a:lstStyle/>
+          <a:p>
+            <a:endParaRPr lang="fr-FR" dirty="0"/>
+          </a:p>
+        </p:txBody>
+      </p:sp>
+      <p:sp>
+        <p:nvSpPr>
+          <p:cNvPr id="4" name="Espace réservé du numéro de diapositive 3"/>
+          <p:cNvSpPr>
+            <a:spLocks noGrp="1"/>
+          </p:cNvSpPr>
+          <p:nvPr>
+            <p:ph type="sldNum" sz="quarter" idx="10"/>
+          </p:nvPr>
+        </p:nvSpPr>
+        <p:spPr/>
+        <p:txBody>
+          <a:bodyPr/>
+          <a:lstStyle/>
+          <a:p>
+            <a:fld id="{026C633B-D051-4BE3-A8CB-7736F551B52D}" type="slidenum">
+              <a:rPr lang="fr-FR" smtClean="0"/>
+              <a:t>4</a:t>
+            </a:fld>
+            <a:endParaRPr lang="fr-FR"/>
+          </a:p>
+        </p:txBody>
+      </p:sp>
+    </p:spTree>
+    <p:extLst>
+      <p:ext uri="{BB962C8B-B14F-4D97-AF65-F5344CB8AC3E}">
+        <p14:creationId xmlns:p14="http://schemas.microsoft.com/office/powerpoint/2010/main" val="291576961"/>
+      </p:ext>
+    </p:extLst>
+  </p:cSld>
+  <p:clrMapOvr>
+    <a:masterClrMapping/>
+  </p:clrMapOvr>
+</p:notes>
+</file>
+
+<file path=ppt/notesSlides/notesSlide4.xml><?xml version="1.0" encoding="utf-8"?>
+<p:notes xmlns:a="http://schemas.openxmlformats.org/drawingml/2006/main" xmlns:r="http://schemas.openxmlformats.org/officeDocument/2006/relationships" xmlns:p="http://schemas.openxmlformats.org/presentationml/2006/main">
+  <p:cSld>
+    <p:spTree>
+      <p:nvGrpSpPr>
+        <p:cNvPr id="1" name=""/>
+        <p:cNvGrpSpPr/>
+        <p:nvPr/>
+      </p:nvGrpSpPr>
+      <p:grpSpPr>
+        <a:xfrm>
+          <a:off x="0" y="0"/>
+          <a:ext cx="0" cy="0"/>
+          <a:chOff x="0" y="0"/>
+          <a:chExt cx="0" cy="0"/>
+        </a:xfrm>
+      </p:grpSpPr>
+      <p:sp>
+        <p:nvSpPr>
+          <p:cNvPr id="2" name="Espace réservé de l'image des diapositives 1"/>
+          <p:cNvSpPr>
+            <a:spLocks noGrp="1" noRot="1" noChangeAspect="1"/>
+          </p:cNvSpPr>
+          <p:nvPr>
+            <p:ph type="sldImg"/>
+          </p:nvPr>
+        </p:nvSpPr>
+        <p:spPr/>
+      </p:sp>
+      <p:sp>
+        <p:nvSpPr>
+          <p:cNvPr id="3" name="Espace réservé des commentaires 2"/>
+          <p:cNvSpPr>
+            <a:spLocks noGrp="1"/>
+          </p:cNvSpPr>
+          <p:nvPr>
+            <p:ph type="body" idx="1"/>
+          </p:nvPr>
+        </p:nvSpPr>
+        <p:spPr/>
+        <p:txBody>
+          <a:bodyPr/>
+          <a:lstStyle/>
+          <a:p>
+            <a:endParaRPr lang="fr-FR" dirty="0"/>
+          </a:p>
+        </p:txBody>
+      </p:sp>
+      <p:sp>
+        <p:nvSpPr>
+          <p:cNvPr id="4" name="Espace réservé du numéro de diapositive 3"/>
+          <p:cNvSpPr>
+            <a:spLocks noGrp="1"/>
+          </p:cNvSpPr>
+          <p:nvPr>
+            <p:ph type="sldNum" sz="quarter" idx="10"/>
+          </p:nvPr>
+        </p:nvSpPr>
+        <p:spPr/>
+        <p:txBody>
+          <a:bodyPr/>
+          <a:lstStyle/>
+          <a:p>
+            <a:fld id="{026C633B-D051-4BE3-A8CB-7736F551B52D}" type="slidenum">
+              <a:rPr lang="fr-FR" smtClean="0"/>
+              <a:t>5</a:t>
+            </a:fld>
+            <a:endParaRPr lang="fr-FR"/>
+          </a:p>
+        </p:txBody>
+      </p:sp>
+    </p:spTree>
+    <p:extLst>
+      <p:ext uri="{BB962C8B-B14F-4D97-AF65-F5344CB8AC3E}">
+        <p14:creationId xmlns:p14="http://schemas.microsoft.com/office/powerpoint/2010/main" val="3782046775"/>
+      </p:ext>
+    </p:extLst>
+  </p:cSld>
+  <p:clrMapOvr>
+    <a:masterClrMapping/>
+  </p:clrMapOvr>
+</p:notes>
+</file>
+
+<file path=ppt/notesSlides/notesSlide5.xml><?xml version="1.0" encoding="utf-8"?>
+<p:notes xmlns:a="http://schemas.openxmlformats.org/drawingml/2006/main" xmlns:r="http://schemas.openxmlformats.org/officeDocument/2006/relationships" xmlns:p="http://schemas.openxmlformats.org/presentationml/2006/main">
+  <p:cSld>
+    <p:spTree>
+      <p:nvGrpSpPr>
+        <p:cNvPr id="1" name=""/>
+        <p:cNvGrpSpPr/>
+        <p:nvPr/>
+      </p:nvGrpSpPr>
+      <p:grpSpPr>
+        <a:xfrm>
+          <a:off x="0" y="0"/>
+          <a:ext cx="0" cy="0"/>
+          <a:chOff x="0" y="0"/>
+          <a:chExt cx="0" cy="0"/>
+        </a:xfrm>
+      </p:grpSpPr>
+      <p:sp>
+        <p:nvSpPr>
+          <p:cNvPr id="2" name="Espace réservé de l'image des diapositives 1"/>
+          <p:cNvSpPr>
+            <a:spLocks noGrp="1" noRot="1" noChangeAspect="1"/>
+          </p:cNvSpPr>
+          <p:nvPr>
+            <p:ph type="sldImg"/>
+          </p:nvPr>
+        </p:nvSpPr>
+        <p:spPr/>
+      </p:sp>
+      <p:sp>
+        <p:nvSpPr>
+          <p:cNvPr id="3" name="Espace réservé des commentaires 2"/>
+          <p:cNvSpPr>
+            <a:spLocks noGrp="1"/>
+          </p:cNvSpPr>
+          <p:nvPr>
+            <p:ph type="body" idx="1"/>
+          </p:nvPr>
+        </p:nvSpPr>
+        <p:spPr/>
+        <p:txBody>
+          <a:bodyPr/>
+          <a:lstStyle/>
+          <a:p>
+            <a:endParaRPr lang="fr-FR" dirty="0"/>
+          </a:p>
+        </p:txBody>
+      </p:sp>
+      <p:sp>
+        <p:nvSpPr>
+          <p:cNvPr id="4" name="Espace réservé du numéro de diapositive 3"/>
+          <p:cNvSpPr>
+            <a:spLocks noGrp="1"/>
+          </p:cNvSpPr>
+          <p:nvPr>
+            <p:ph type="sldNum" sz="quarter" idx="10"/>
+          </p:nvPr>
+        </p:nvSpPr>
+        <p:spPr/>
+        <p:txBody>
+          <a:bodyPr/>
+          <a:lstStyle/>
+          <a:p>
+            <a:fld id="{026C633B-D051-4BE3-A8CB-7736F551B52D}" type="slidenum">
+              <a:rPr lang="fr-FR" smtClean="0"/>
+              <a:t>6</a:t>
+            </a:fld>
+            <a:endParaRPr lang="fr-FR"/>
+          </a:p>
+        </p:txBody>
+      </p:sp>
+    </p:spTree>
+    <p:extLst>
+      <p:ext uri="{BB962C8B-B14F-4D97-AF65-F5344CB8AC3E}">
+        <p14:creationId xmlns:p14="http://schemas.microsoft.com/office/powerpoint/2010/main" val="1077057974"/>
+      </p:ext>
+    </p:extLst>
+  </p:cSld>
+  <p:clrMapOvr>
+    <a:masterClrMapping/>
+  </p:clrMapOvr>
+</p:notes>
+</file>
+
 <file path=ppt/slideLayouts/slideLayout1.xml><?xml version="1.0" encoding="utf-8"?>
 <p:sldLayout xmlns:a="http://schemas.openxmlformats.org/drawingml/2006/main" xmlns:r="http://schemas.openxmlformats.org/officeDocument/2006/relationships" xmlns:p="http://schemas.openxmlformats.org/presentationml/2006/main" type="title" preserve="1">
   <p:cSld name="Diapositive de titre">
@@ -768,7 +1024,7 @@
           <a:p>
             <a:fld id="{16B4F739-B7D4-4EFD-BF14-44542778AB9F}" type="datetimeFigureOut">
               <a:rPr lang="fr-FR" smtClean="0"/>
-              <a:t>22/02/2025</a:t>
+              <a:t>14/04/2025</a:t>
             </a:fld>
             <a:endParaRPr lang="fr-FR"/>
           </a:p>
@@ -938,7 +1194,7 @@
           <a:p>
             <a:fld id="{16B4F739-B7D4-4EFD-BF14-44542778AB9F}" type="datetimeFigureOut">
               <a:rPr lang="fr-FR" smtClean="0"/>
-              <a:t>22/02/2025</a:t>
+              <a:t>14/04/2025</a:t>
             </a:fld>
             <a:endParaRPr lang="fr-FR"/>
           </a:p>
@@ -1118,7 +1374,7 @@
           <a:p>
             <a:fld id="{16B4F739-B7D4-4EFD-BF14-44542778AB9F}" type="datetimeFigureOut">
               <a:rPr lang="fr-FR" smtClean="0"/>
-              <a:t>22/02/2025</a:t>
+              <a:t>14/04/2025</a:t>
             </a:fld>
             <a:endParaRPr lang="fr-FR"/>
           </a:p>
@@ -1288,7 +1544,7 @@
           <a:p>
             <a:fld id="{16B4F739-B7D4-4EFD-BF14-44542778AB9F}" type="datetimeFigureOut">
               <a:rPr lang="fr-FR" smtClean="0"/>
-              <a:t>22/02/2025</a:t>
+              <a:t>14/04/2025</a:t>
             </a:fld>
             <a:endParaRPr lang="fr-FR"/>
           </a:p>
@@ -1534,7 +1790,7 @@
           <a:p>
             <a:fld id="{16B4F739-B7D4-4EFD-BF14-44542778AB9F}" type="datetimeFigureOut">
               <a:rPr lang="fr-FR" smtClean="0"/>
-              <a:t>22/02/2025</a:t>
+              <a:t>14/04/2025</a:t>
             </a:fld>
             <a:endParaRPr lang="fr-FR"/>
           </a:p>
@@ -1766,7 +2022,7 @@
           <a:p>
             <a:fld id="{16B4F739-B7D4-4EFD-BF14-44542778AB9F}" type="datetimeFigureOut">
               <a:rPr lang="fr-FR" smtClean="0"/>
-              <a:t>22/02/2025</a:t>
+              <a:t>14/04/2025</a:t>
             </a:fld>
             <a:endParaRPr lang="fr-FR"/>
           </a:p>
@@ -2133,7 +2389,7 @@
           <a:p>
             <a:fld id="{16B4F739-B7D4-4EFD-BF14-44542778AB9F}" type="datetimeFigureOut">
               <a:rPr lang="fr-FR" smtClean="0"/>
-              <a:t>22/02/2025</a:t>
+              <a:t>14/04/2025</a:t>
             </a:fld>
             <a:endParaRPr lang="fr-FR"/>
           </a:p>
@@ -2251,7 +2507,7 @@
           <a:p>
             <a:fld id="{16B4F739-B7D4-4EFD-BF14-44542778AB9F}" type="datetimeFigureOut">
               <a:rPr lang="fr-FR" smtClean="0"/>
-              <a:t>22/02/2025</a:t>
+              <a:t>14/04/2025</a:t>
             </a:fld>
             <a:endParaRPr lang="fr-FR"/>
           </a:p>
@@ -2346,7 +2602,7 @@
           <a:p>
             <a:fld id="{16B4F739-B7D4-4EFD-BF14-44542778AB9F}" type="datetimeFigureOut">
               <a:rPr lang="fr-FR" smtClean="0"/>
-              <a:t>22/02/2025</a:t>
+              <a:t>14/04/2025</a:t>
             </a:fld>
             <a:endParaRPr lang="fr-FR"/>
           </a:p>
@@ -2623,7 +2879,7 @@
           <a:p>
             <a:fld id="{16B4F739-B7D4-4EFD-BF14-44542778AB9F}" type="datetimeFigureOut">
               <a:rPr lang="fr-FR" smtClean="0"/>
-              <a:t>22/02/2025</a:t>
+              <a:t>14/04/2025</a:t>
             </a:fld>
             <a:endParaRPr lang="fr-FR"/>
           </a:p>
@@ -2876,7 +3132,7 @@
           <a:p>
             <a:fld id="{16B4F739-B7D4-4EFD-BF14-44542778AB9F}" type="datetimeFigureOut">
               <a:rPr lang="fr-FR" smtClean="0"/>
-              <a:t>22/02/2025</a:t>
+              <a:t>14/04/2025</a:t>
             </a:fld>
             <a:endParaRPr lang="fr-FR"/>
           </a:p>
@@ -3119,7 +3375,7 @@
           <a:p>
             <a:fld id="{16B4F739-B7D4-4EFD-BF14-44542778AB9F}" type="datetimeFigureOut">
               <a:rPr lang="fr-FR" smtClean="0"/>
-              <a:t>22/02/2025</a:t>
+              <a:t>14/04/2025</a:t>
             </a:fld>
             <a:endParaRPr lang="fr-FR"/>
           </a:p>
@@ -3600,7 +3856,7 @@
         <p:spPr>
           <a:xfrm>
             <a:off x="331305" y="1688515"/>
-            <a:ext cx="11460645" cy="1200329"/>
+            <a:ext cx="11460645" cy="1754326"/>
           </a:xfrm>
           <a:prstGeom prst="rect">
             <a:avLst/>
@@ -3618,62 +3874,41 @@
             </a:pPr>
             <a:r>
               <a:rPr lang="ar-DZ" sz="3600" dirty="0" smtClean="0"/>
-              <a:t>التبويب </a:t>
+              <a:t>ما </a:t>
             </a:r>
             <a:r>
               <a:rPr lang="ar-DZ" sz="3600" dirty="0"/>
-              <a:t>الذي يسمح بإدراج جداول، أشكال، صور و نص فني هو </a:t>
-            </a:r>
-            <a:endParaRPr lang="ar-DZ" sz="3600" dirty="0" smtClean="0"/>
-          </a:p>
-          <a:p>
-            <a:pPr lvl="1" algn="r" rtl="1"/>
+              <a:t>القائمة التي تسمح بالقيام بالعمليات على مشروع </a:t>
+            </a:r>
+            <a:r>
+              <a:rPr lang="ar-DZ" sz="3600" dirty="0" err="1"/>
+              <a:t>سكراتش</a:t>
+            </a:r>
+            <a:r>
+              <a:rPr lang="ar-DZ" sz="3600" dirty="0"/>
+              <a:t> ؟ </a:t>
+            </a:r>
+          </a:p>
+          <a:p>
+            <a:pPr marL="571500" indent="-571500" algn="r" rtl="1">
+              <a:buFont typeface="Wingdings" panose="05000000000000000000" pitchFamily="2" charset="2"/>
+              <a:buChar char="Ø"/>
+            </a:pPr>
             <a:r>
               <a:rPr lang="ar-DZ" sz="3600" dirty="0" smtClean="0"/>
-              <a:t>.....................</a:t>
-            </a:r>
+              <a:t>كيف </a:t>
+            </a:r>
+            <a:r>
+              <a:rPr lang="ar-DZ" sz="3600" dirty="0"/>
+              <a:t>يمكن حفظ مشروع ؟ </a:t>
+            </a:r>
+          </a:p>
+          <a:p>
+            <a:pPr marL="571500" indent="-571500" algn="r" rtl="1">
+              <a:buFont typeface="Wingdings" panose="05000000000000000000" pitchFamily="2" charset="2"/>
+              <a:buChar char="Ø"/>
+            </a:pPr>
             <a:endParaRPr lang="ar-DZ" sz="3600" dirty="0"/>
-          </a:p>
-        </p:txBody>
-      </p:sp>
-      <p:sp>
-        <p:nvSpPr>
-          <p:cNvPr id="3" name="ZoneTexte 2"/>
-          <p:cNvSpPr txBox="1"/>
-          <p:nvPr/>
-        </p:nvSpPr>
-        <p:spPr>
-          <a:xfrm>
-            <a:off x="8587409" y="2288679"/>
-            <a:ext cx="2703444" cy="646331"/>
-          </a:xfrm>
-          <a:prstGeom prst="rect">
-            <a:avLst/>
-          </a:prstGeom>
-          <a:solidFill>
-            <a:schemeClr val="bg1"/>
-          </a:solidFill>
-        </p:spPr>
-        <p:txBody>
-          <a:bodyPr wrap="square" rtlCol="0">
-            <a:spAutoFit/>
-          </a:bodyPr>
-          <a:lstStyle/>
-          <a:p>
-            <a:pPr algn="ctr"/>
-            <a:r>
-              <a:rPr lang="fr-FR" sz="3600" b="1" dirty="0" smtClean="0">
-                <a:solidFill>
-                  <a:srgbClr val="FF0000"/>
-                </a:solidFill>
-              </a:rPr>
-              <a:t>Insertion</a:t>
-            </a:r>
-            <a:endParaRPr lang="fr-FR" sz="3600" b="1" dirty="0">
-              <a:solidFill>
-                <a:srgbClr val="FF0000"/>
-              </a:solidFill>
-            </a:endParaRPr>
           </a:p>
         </p:txBody>
       </p:sp>
@@ -3687,6 +3922,961 @@
   <p:clrMapOvr>
     <a:masterClrMapping/>
   </p:clrMapOvr>
+  <p:timing>
+    <p:tnLst>
+      <p:par>
+        <p:cTn id="1" dur="indefinite" restart="never" nodeType="tmRoot"/>
+      </p:par>
+    </p:tnLst>
+  </p:timing>
+</p:sld>
+</file>
+
+<file path=ppt/slides/slide2.xml><?xml version="1.0" encoding="utf-8"?>
+<p:sld xmlns:a="http://schemas.openxmlformats.org/drawingml/2006/main" xmlns:r="http://schemas.openxmlformats.org/officeDocument/2006/relationships" xmlns:p="http://schemas.openxmlformats.org/presentationml/2006/main">
+  <p:cSld>
+    <p:bg>
+      <p:bgPr>
+        <a:solidFill>
+          <a:schemeClr val="bg1"/>
+        </a:solidFill>
+        <a:effectLst/>
+      </p:bgPr>
+    </p:bg>
+    <p:spTree>
+      <p:nvGrpSpPr>
+        <p:cNvPr id="1" name=""/>
+        <p:cNvGrpSpPr/>
+        <p:nvPr/>
+      </p:nvGrpSpPr>
+      <p:grpSpPr>
+        <a:xfrm>
+          <a:off x="0" y="0"/>
+          <a:ext cx="0" cy="0"/>
+          <a:chOff x="0" y="0"/>
+          <a:chExt cx="0" cy="0"/>
+        </a:xfrm>
+      </p:grpSpPr>
+      <p:sp>
+        <p:nvSpPr>
+          <p:cNvPr id="4" name="Rectangle 3"/>
+          <p:cNvSpPr/>
+          <p:nvPr/>
+        </p:nvSpPr>
+        <p:spPr>
+          <a:xfrm>
+            <a:off x="0" y="145774"/>
+            <a:ext cx="12191999" cy="729430"/>
+          </a:xfrm>
+          <a:prstGeom prst="rect">
+            <a:avLst/>
+          </a:prstGeom>
+        </p:spPr>
+        <p:txBody>
+          <a:bodyPr wrap="square">
+            <a:spAutoFit/>
+          </a:bodyPr>
+          <a:lstStyle/>
+          <a:p>
+            <a:pPr algn="ctr" rtl="1">
+              <a:lnSpc>
+                <a:spcPct val="115000"/>
+              </a:lnSpc>
+              <a:spcAft>
+                <a:spcPts val="1000"/>
+              </a:spcAft>
+            </a:pPr>
+            <a:r>
+              <a:rPr lang="ar-DZ" sz="3600" b="1" u="sng" dirty="0">
+                <a:solidFill>
+                  <a:srgbClr val="FF0000"/>
+                </a:solidFill>
+                <a:latin typeface="Calibri" panose="020F0502020204030204" pitchFamily="34" charset="0"/>
+                <a:ea typeface="Times New Roman" panose="02020603050405020304" pitchFamily="18" charset="0"/>
+                <a:cs typeface="Times New Roman" panose="02020603050405020304" pitchFamily="18" charset="0"/>
+              </a:rPr>
+              <a:t>الوضعية </a:t>
+            </a:r>
+            <a:r>
+              <a:rPr lang="ar-DZ" sz="3600" b="1" u="sng" dirty="0" err="1">
+                <a:solidFill>
+                  <a:srgbClr val="FF0000"/>
+                </a:solidFill>
+                <a:latin typeface="Calibri" panose="020F0502020204030204" pitchFamily="34" charset="0"/>
+                <a:ea typeface="Times New Roman" panose="02020603050405020304" pitchFamily="18" charset="0"/>
+                <a:cs typeface="Times New Roman" panose="02020603050405020304" pitchFamily="18" charset="0"/>
+              </a:rPr>
+              <a:t>الإنطلاقية</a:t>
+            </a:r>
+            <a:r>
+              <a:rPr lang="ar-DZ" sz="3600" b="1" u="sng" dirty="0">
+                <a:solidFill>
+                  <a:srgbClr val="FF0000"/>
+                </a:solidFill>
+                <a:latin typeface="Calibri" panose="020F0502020204030204" pitchFamily="34" charset="0"/>
+                <a:ea typeface="Times New Roman" panose="02020603050405020304" pitchFamily="18" charset="0"/>
+                <a:cs typeface="Times New Roman" panose="02020603050405020304" pitchFamily="18" charset="0"/>
+              </a:rPr>
+              <a:t> :</a:t>
+            </a:r>
+            <a:endParaRPr lang="fr-FR" sz="3600" b="1" dirty="0">
+              <a:effectLst/>
+              <a:latin typeface="Calibri" panose="020F0502020204030204" pitchFamily="34" charset="0"/>
+              <a:ea typeface="Times New Roman" panose="02020603050405020304" pitchFamily="18" charset="0"/>
+              <a:cs typeface="Arial" panose="020B0604020202020204" pitchFamily="34" charset="0"/>
+            </a:endParaRPr>
+          </a:p>
+        </p:txBody>
+      </p:sp>
+      <p:sp>
+        <p:nvSpPr>
+          <p:cNvPr id="3" name="Rectangle 2"/>
+          <p:cNvSpPr/>
+          <p:nvPr/>
+        </p:nvSpPr>
+        <p:spPr>
+          <a:xfrm>
+            <a:off x="463827" y="1230337"/>
+            <a:ext cx="11565784" cy="2554545"/>
+          </a:xfrm>
+          <a:prstGeom prst="rect">
+            <a:avLst/>
+          </a:prstGeom>
+        </p:spPr>
+        <p:txBody>
+          <a:bodyPr wrap="square">
+            <a:spAutoFit/>
+          </a:bodyPr>
+          <a:lstStyle/>
+          <a:p>
+            <a:pPr marL="457200" indent="-457200" algn="r" rtl="1">
+              <a:buFont typeface="Wingdings" panose="05000000000000000000" pitchFamily="2" charset="2"/>
+              <a:buChar char="Ø"/>
+            </a:pPr>
+            <a:r>
+              <a:rPr lang="ar-DZ" sz="3200" dirty="0" smtClean="0"/>
+              <a:t>عند </a:t>
+            </a:r>
+            <a:r>
+              <a:rPr lang="ar-DZ" sz="3200" dirty="0"/>
+              <a:t>قيادة السيارة، ماذا يجب أن نفعل كي تشتغل ؟ هل عند الوصول إلى حاجز تتوقف لوحدها ؟ </a:t>
+            </a:r>
+          </a:p>
+          <a:p>
+            <a:pPr marL="457200" indent="-457200" algn="r" rtl="1">
+              <a:buFont typeface="Wingdings" panose="05000000000000000000" pitchFamily="2" charset="2"/>
+              <a:buChar char="Ø"/>
+            </a:pPr>
+            <a:r>
+              <a:rPr lang="ar-DZ" sz="3200" dirty="0" smtClean="0"/>
+              <a:t>هل </a:t>
+            </a:r>
+            <a:r>
+              <a:rPr lang="ar-DZ" sz="3200" dirty="0"/>
+              <a:t>عند السير تضبط السرعة تلقائيا أم السائق هو الذي يتدخل ؟ </a:t>
+            </a:r>
+          </a:p>
+          <a:p>
+            <a:pPr marL="457200" indent="-457200" algn="r" rtl="1">
+              <a:buFont typeface="Wingdings" panose="05000000000000000000" pitchFamily="2" charset="2"/>
+              <a:buChar char="Ø"/>
+            </a:pPr>
+            <a:r>
+              <a:rPr lang="ar-DZ" sz="3200" dirty="0" smtClean="0"/>
+              <a:t>إذن </a:t>
+            </a:r>
+            <a:r>
+              <a:rPr lang="ar-DZ" sz="3200" dirty="0"/>
+              <a:t>يمكننا القول أن السائق هو الذي .......... بها. </a:t>
+            </a:r>
+          </a:p>
+          <a:p>
+            <a:pPr marL="457200" indent="-457200" algn="r" rtl="1">
+              <a:buFont typeface="Wingdings" panose="05000000000000000000" pitchFamily="2" charset="2"/>
+              <a:buChar char="Ø"/>
+            </a:pPr>
+            <a:r>
+              <a:rPr lang="ar-DZ" sz="3200" dirty="0" smtClean="0"/>
+              <a:t>فيا </a:t>
+            </a:r>
+            <a:r>
+              <a:rPr lang="ar-DZ" sz="3200" dirty="0"/>
+              <a:t>ترى، هل يمكننا التحكم في مختلف مشاريع </a:t>
+            </a:r>
+            <a:r>
+              <a:rPr lang="ar-DZ" sz="3200" dirty="0" err="1"/>
+              <a:t>سكراتش</a:t>
+            </a:r>
+            <a:r>
+              <a:rPr lang="ar-DZ" sz="3200" dirty="0"/>
+              <a:t> ؟ </a:t>
+            </a:r>
+            <a:r>
+              <a:rPr lang="ar-DZ" sz="3200" b="1" dirty="0" smtClean="0"/>
+              <a:t> </a:t>
+            </a:r>
+            <a:endParaRPr lang="fr-FR" sz="3200" b="1" dirty="0"/>
+          </a:p>
+        </p:txBody>
+      </p:sp>
+    </p:spTree>
+    <p:extLst>
+      <p:ext uri="{BB962C8B-B14F-4D97-AF65-F5344CB8AC3E}">
+        <p14:creationId xmlns:p14="http://schemas.microsoft.com/office/powerpoint/2010/main" val="2209839172"/>
+      </p:ext>
+    </p:extLst>
+  </p:cSld>
+  <p:clrMapOvr>
+    <a:masterClrMapping/>
+  </p:clrMapOvr>
+  <p:transition spd="slow">
+    <p:push dir="u"/>
+  </p:transition>
+  <p:timing>
+    <p:tnLst>
+      <p:par>
+        <p:cTn id="1" dur="indefinite" restart="never" nodeType="tmRoot"/>
+      </p:par>
+    </p:tnLst>
+  </p:timing>
+</p:sld>
+</file>
+
+<file path=ppt/slides/slide3.xml><?xml version="1.0" encoding="utf-8"?>
+<p:sld xmlns:a="http://schemas.openxmlformats.org/drawingml/2006/main" xmlns:r="http://schemas.openxmlformats.org/officeDocument/2006/relationships" xmlns:p="http://schemas.openxmlformats.org/presentationml/2006/main">
+  <p:cSld>
+    <p:bg>
+      <p:bgPr>
+        <a:solidFill>
+          <a:schemeClr val="bg1"/>
+        </a:solidFill>
+        <a:effectLst/>
+      </p:bgPr>
+    </p:bg>
+    <p:spTree>
+      <p:nvGrpSpPr>
+        <p:cNvPr id="1" name=""/>
+        <p:cNvGrpSpPr/>
+        <p:nvPr/>
+      </p:nvGrpSpPr>
+      <p:grpSpPr>
+        <a:xfrm>
+          <a:off x="0" y="0"/>
+          <a:ext cx="0" cy="0"/>
+          <a:chOff x="0" y="0"/>
+          <a:chExt cx="0" cy="0"/>
+        </a:xfrm>
+      </p:grpSpPr>
+      <p:sp>
+        <p:nvSpPr>
+          <p:cNvPr id="4" name="Rectangle 3"/>
+          <p:cNvSpPr/>
+          <p:nvPr/>
+        </p:nvSpPr>
+        <p:spPr>
+          <a:xfrm>
+            <a:off x="0" y="188214"/>
+            <a:ext cx="11970469" cy="755400"/>
+          </a:xfrm>
+          <a:prstGeom prst="rect">
+            <a:avLst/>
+          </a:prstGeom>
+        </p:spPr>
+        <p:txBody>
+          <a:bodyPr wrap="square">
+            <a:spAutoFit/>
+          </a:bodyPr>
+          <a:lstStyle/>
+          <a:p>
+            <a:pPr algn="r" rtl="1">
+              <a:lnSpc>
+                <a:spcPct val="115000"/>
+              </a:lnSpc>
+              <a:spcAft>
+                <a:spcPts val="1000"/>
+              </a:spcAft>
+            </a:pPr>
+            <a:r>
+              <a:rPr lang="ar-DZ" sz="4000" b="1" u="sng" dirty="0" smtClean="0">
+                <a:solidFill>
+                  <a:srgbClr val="FF0000"/>
+                </a:solidFill>
+                <a:latin typeface="Calibri" panose="020F0502020204030204" pitchFamily="34" charset="0"/>
+                <a:ea typeface="Times New Roman" panose="02020603050405020304" pitchFamily="18" charset="0"/>
+                <a:cs typeface="Times New Roman" panose="02020603050405020304" pitchFamily="18" charset="0"/>
+              </a:rPr>
+              <a:t>نشاط 01 </a:t>
+            </a:r>
+            <a:r>
+              <a:rPr lang="ar-DZ" sz="4000" b="1" u="sng" dirty="0" smtClean="0">
+                <a:solidFill>
+                  <a:srgbClr val="FF0000"/>
+                </a:solidFill>
+                <a:latin typeface="Calibri" panose="020F0502020204030204" pitchFamily="34" charset="0"/>
+                <a:ea typeface="Times New Roman" panose="02020603050405020304" pitchFamily="18" charset="0"/>
+                <a:cs typeface="Times New Roman" panose="02020603050405020304" pitchFamily="18" charset="0"/>
+              </a:rPr>
+              <a:t>:</a:t>
+            </a:r>
+            <a:endParaRPr lang="fr-FR" sz="3200" b="1" dirty="0">
+              <a:effectLst/>
+              <a:latin typeface="Calibri" panose="020F0502020204030204" pitchFamily="34" charset="0"/>
+              <a:ea typeface="Times New Roman" panose="02020603050405020304" pitchFamily="18" charset="0"/>
+              <a:cs typeface="Arial" panose="020B0604020202020204" pitchFamily="34" charset="0"/>
+            </a:endParaRPr>
+          </a:p>
+        </p:txBody>
+      </p:sp>
+      <p:sp>
+        <p:nvSpPr>
+          <p:cNvPr id="8" name="Rectangle 7"/>
+          <p:cNvSpPr/>
+          <p:nvPr/>
+        </p:nvSpPr>
+        <p:spPr>
+          <a:xfrm>
+            <a:off x="140265" y="988433"/>
+            <a:ext cx="11966713" cy="5509200"/>
+          </a:xfrm>
+          <a:prstGeom prst="rect">
+            <a:avLst/>
+          </a:prstGeom>
+        </p:spPr>
+        <p:txBody>
+          <a:bodyPr wrap="square">
+            <a:spAutoFit/>
+          </a:bodyPr>
+          <a:lstStyle/>
+          <a:p>
+            <a:pPr marL="457200" indent="-457200" algn="r" rtl="1">
+              <a:buFont typeface="Wingdings" panose="05000000000000000000" pitchFamily="2" charset="2"/>
+              <a:buChar char="Ø"/>
+            </a:pPr>
+            <a:r>
+              <a:rPr lang="ar-DZ" sz="3200" dirty="0"/>
+              <a:t>إليك المقطعين </a:t>
+            </a:r>
+            <a:r>
+              <a:rPr lang="ar-DZ" sz="3200" dirty="0">
+                <a:cs typeface="+mj-cs"/>
+              </a:rPr>
+              <a:t>البرمجيين التاليين، قمنا بتنفيذهما على الكائنين </a:t>
+            </a:r>
+            <a:r>
+              <a:rPr lang="fr-FR" sz="3200" dirty="0" smtClean="0">
+                <a:cs typeface="+mj-cs"/>
+              </a:rPr>
+              <a:t>Cat</a:t>
+            </a:r>
+            <a:r>
+              <a:rPr lang="ar-DZ" sz="3200" dirty="0" smtClean="0">
+                <a:cs typeface="+mj-cs"/>
+              </a:rPr>
+              <a:t> و </a:t>
+            </a:r>
+            <a:r>
+              <a:rPr lang="fr-FR" sz="3200" dirty="0" err="1" smtClean="0">
+                <a:cs typeface="+mj-cs"/>
+              </a:rPr>
+              <a:t>CatFlying</a:t>
+            </a:r>
+            <a:endParaRPr lang="ar-DZ" sz="3200" dirty="0" smtClean="0">
+              <a:cs typeface="+mj-cs"/>
+            </a:endParaRPr>
+          </a:p>
+          <a:p>
+            <a:pPr marL="457200" indent="-457200" algn="r" rtl="1">
+              <a:buFont typeface="Wingdings" panose="05000000000000000000" pitchFamily="2" charset="2"/>
+              <a:buChar char="Ø"/>
+            </a:pPr>
+            <a:endParaRPr lang="ar-DZ" sz="3200" dirty="0" smtClean="0">
+              <a:cs typeface="+mj-cs"/>
+            </a:endParaRPr>
+          </a:p>
+          <a:p>
+            <a:pPr marL="457200" indent="-457200" algn="r" rtl="1">
+              <a:buFont typeface="Wingdings" panose="05000000000000000000" pitchFamily="2" charset="2"/>
+              <a:buChar char="Ø"/>
+            </a:pPr>
+            <a:endParaRPr lang="ar-DZ" sz="3200" dirty="0">
+              <a:cs typeface="+mj-cs"/>
+            </a:endParaRPr>
+          </a:p>
+          <a:p>
+            <a:pPr marL="457200" indent="-457200" algn="r" rtl="1">
+              <a:buFont typeface="Wingdings" panose="05000000000000000000" pitchFamily="2" charset="2"/>
+              <a:buChar char="Ø"/>
+            </a:pPr>
+            <a:endParaRPr lang="ar-DZ" sz="3200" dirty="0" smtClean="0">
+              <a:cs typeface="+mj-cs"/>
+            </a:endParaRPr>
+          </a:p>
+          <a:p>
+            <a:pPr marL="457200" indent="-457200" algn="r" rtl="1">
+              <a:buFont typeface="Wingdings" panose="05000000000000000000" pitchFamily="2" charset="2"/>
+              <a:buChar char="Ø"/>
+            </a:pPr>
+            <a:endParaRPr lang="ar-DZ" sz="3200" dirty="0" smtClean="0">
+              <a:cs typeface="+mj-cs"/>
+            </a:endParaRPr>
+          </a:p>
+          <a:p>
+            <a:pPr marL="457200" indent="-457200" algn="r" rtl="1">
+              <a:buFont typeface="Wingdings" panose="05000000000000000000" pitchFamily="2" charset="2"/>
+              <a:buChar char="Ø"/>
+            </a:pPr>
+            <a:endParaRPr lang="ar-DZ" sz="3200" dirty="0">
+              <a:cs typeface="+mj-cs"/>
+            </a:endParaRPr>
+          </a:p>
+          <a:p>
+            <a:pPr marL="457200" indent="-457200" algn="r" rtl="1">
+              <a:buFont typeface="Wingdings" panose="05000000000000000000" pitchFamily="2" charset="2"/>
+              <a:buChar char="Ø"/>
+            </a:pPr>
+            <a:endParaRPr lang="ar-DZ" sz="3200" dirty="0" smtClean="0">
+              <a:cs typeface="+mj-cs"/>
+            </a:endParaRPr>
+          </a:p>
+          <a:p>
+            <a:pPr marL="457200" indent="-457200" algn="r" rtl="1">
+              <a:buFont typeface="Wingdings" panose="05000000000000000000" pitchFamily="2" charset="2"/>
+              <a:buChar char="Ø"/>
+            </a:pPr>
+            <a:endParaRPr lang="ar-DZ" sz="3200" dirty="0">
+              <a:cs typeface="+mj-cs"/>
+            </a:endParaRPr>
+          </a:p>
+          <a:p>
+            <a:pPr marL="457200" indent="-457200" algn="r" rtl="1">
+              <a:buFont typeface="Wingdings" panose="05000000000000000000" pitchFamily="2" charset="2"/>
+              <a:buChar char="Ø"/>
+            </a:pPr>
+            <a:r>
+              <a:rPr lang="ar-DZ" sz="3200" dirty="0" smtClean="0">
+                <a:cs typeface="+mj-cs"/>
+              </a:rPr>
+              <a:t>ما </a:t>
+            </a:r>
+            <a:r>
+              <a:rPr lang="ar-DZ" sz="3200" dirty="0">
+                <a:cs typeface="+mj-cs"/>
+              </a:rPr>
+              <a:t>هو اللون الغالب في هذه المقاطع البرمجية ؟ </a:t>
+            </a:r>
+          </a:p>
+          <a:p>
+            <a:pPr marL="457200" indent="-457200" algn="r" rtl="1">
+              <a:buFont typeface="Wingdings" panose="05000000000000000000" pitchFamily="2" charset="2"/>
+              <a:buChar char="Ø"/>
+            </a:pPr>
+            <a:r>
+              <a:rPr lang="ar-DZ" sz="3200" dirty="0" smtClean="0">
+                <a:cs typeface="+mj-cs"/>
+              </a:rPr>
+              <a:t>إلى </a:t>
+            </a:r>
+            <a:r>
+              <a:rPr lang="ar-DZ" sz="3200" dirty="0">
+                <a:cs typeface="+mj-cs"/>
+              </a:rPr>
+              <a:t>أي مجموعة من اللبنات تنتمي هذه التعليمات ؟ </a:t>
+            </a:r>
+          </a:p>
+          <a:p>
+            <a:pPr marL="457200" indent="-457200" algn="r" rtl="1">
+              <a:buFont typeface="Wingdings" panose="05000000000000000000" pitchFamily="2" charset="2"/>
+              <a:buChar char="Ø"/>
+            </a:pPr>
+            <a:r>
+              <a:rPr lang="ar-DZ" sz="3200" dirty="0" smtClean="0">
+                <a:cs typeface="+mj-cs"/>
+              </a:rPr>
+              <a:t>لنقم </a:t>
+            </a:r>
+            <a:r>
+              <a:rPr lang="ar-DZ" sz="3200" dirty="0">
+                <a:cs typeface="+mj-cs"/>
+              </a:rPr>
+              <a:t>بتنفيذ هذين المقطعين </a:t>
+            </a:r>
+            <a:r>
+              <a:rPr lang="ar-DZ" sz="3200" dirty="0"/>
+              <a:t>البرمجيين، ما الفرق بينهما ؟ </a:t>
+            </a:r>
+          </a:p>
+        </p:txBody>
+      </p:sp>
+      <p:pic>
+        <p:nvPicPr>
+          <p:cNvPr id="5" name="Image 4"/>
+          <p:cNvPicPr/>
+          <p:nvPr/>
+        </p:nvPicPr>
+        <p:blipFill>
+          <a:blip r:embed="rId3">
+            <a:extLst>
+              <a:ext uri="{28A0092B-C50C-407E-A947-70E740481C1C}">
+                <a14:useLocalDpi xmlns:a14="http://schemas.microsoft.com/office/drawing/2010/main" val="0"/>
+              </a:ext>
+            </a:extLst>
+          </a:blip>
+          <a:stretch>
+            <a:fillRect/>
+          </a:stretch>
+        </p:blipFill>
+        <p:spPr>
+          <a:xfrm>
+            <a:off x="8187503" y="1577009"/>
+            <a:ext cx="3196114" cy="3223066"/>
+          </a:xfrm>
+          <a:prstGeom prst="rect">
+            <a:avLst/>
+          </a:prstGeom>
+        </p:spPr>
+      </p:pic>
+      <p:pic>
+        <p:nvPicPr>
+          <p:cNvPr id="6" name="Image 5"/>
+          <p:cNvPicPr/>
+          <p:nvPr/>
+        </p:nvPicPr>
+        <p:blipFill>
+          <a:blip r:embed="rId4">
+            <a:extLst>
+              <a:ext uri="{28A0092B-C50C-407E-A947-70E740481C1C}">
+                <a14:useLocalDpi xmlns:a14="http://schemas.microsoft.com/office/drawing/2010/main" val="0"/>
+              </a:ext>
+            </a:extLst>
+          </a:blip>
+          <a:stretch>
+            <a:fillRect/>
+          </a:stretch>
+        </p:blipFill>
+        <p:spPr>
+          <a:xfrm>
+            <a:off x="3988904" y="1511783"/>
+            <a:ext cx="3307501" cy="3288292"/>
+          </a:xfrm>
+          <a:prstGeom prst="rect">
+            <a:avLst/>
+          </a:prstGeom>
+        </p:spPr>
+      </p:pic>
+    </p:spTree>
+    <p:extLst>
+      <p:ext uri="{BB962C8B-B14F-4D97-AF65-F5344CB8AC3E}">
+        <p14:creationId xmlns:p14="http://schemas.microsoft.com/office/powerpoint/2010/main" val="3692245190"/>
+      </p:ext>
+    </p:extLst>
+  </p:cSld>
+  <p:clrMapOvr>
+    <a:masterClrMapping/>
+  </p:clrMapOvr>
+  <p:transition spd="slow">
+    <p:push dir="u"/>
+  </p:transition>
+  <p:timing>
+    <p:tnLst>
+      <p:par>
+        <p:cTn id="1" dur="indefinite" restart="never" nodeType="tmRoot"/>
+      </p:par>
+    </p:tnLst>
+  </p:timing>
+</p:sld>
+</file>
+
+<file path=ppt/slides/slide4.xml><?xml version="1.0" encoding="utf-8"?>
+<p:sld xmlns:a="http://schemas.openxmlformats.org/drawingml/2006/main" xmlns:r="http://schemas.openxmlformats.org/officeDocument/2006/relationships" xmlns:p="http://schemas.openxmlformats.org/presentationml/2006/main">
+  <p:cSld>
+    <p:bg>
+      <p:bgPr>
+        <a:solidFill>
+          <a:schemeClr val="bg1"/>
+        </a:solidFill>
+        <a:effectLst/>
+      </p:bgPr>
+    </p:bg>
+    <p:spTree>
+      <p:nvGrpSpPr>
+        <p:cNvPr id="1" name=""/>
+        <p:cNvGrpSpPr/>
+        <p:nvPr/>
+      </p:nvGrpSpPr>
+      <p:grpSpPr>
+        <a:xfrm>
+          <a:off x="0" y="0"/>
+          <a:ext cx="0" cy="0"/>
+          <a:chOff x="0" y="0"/>
+          <a:chExt cx="0" cy="0"/>
+        </a:xfrm>
+      </p:grpSpPr>
+      <p:sp>
+        <p:nvSpPr>
+          <p:cNvPr id="4" name="Rectangle 3"/>
+          <p:cNvSpPr/>
+          <p:nvPr/>
+        </p:nvSpPr>
+        <p:spPr>
+          <a:xfrm>
+            <a:off x="0" y="188214"/>
+            <a:ext cx="11970469" cy="755400"/>
+          </a:xfrm>
+          <a:prstGeom prst="rect">
+            <a:avLst/>
+          </a:prstGeom>
+        </p:spPr>
+        <p:txBody>
+          <a:bodyPr wrap="square">
+            <a:spAutoFit/>
+          </a:bodyPr>
+          <a:lstStyle/>
+          <a:p>
+            <a:pPr algn="r" rtl="1">
+              <a:lnSpc>
+                <a:spcPct val="115000"/>
+              </a:lnSpc>
+              <a:spcAft>
+                <a:spcPts val="1000"/>
+              </a:spcAft>
+            </a:pPr>
+            <a:r>
+              <a:rPr lang="ar-DZ" sz="4000" b="1" u="sng" dirty="0" smtClean="0">
+                <a:solidFill>
+                  <a:srgbClr val="FF0000"/>
+                </a:solidFill>
+                <a:latin typeface="Calibri" panose="020F0502020204030204" pitchFamily="34" charset="0"/>
+                <a:ea typeface="Times New Roman" panose="02020603050405020304" pitchFamily="18" charset="0"/>
+                <a:cs typeface="Times New Roman" panose="02020603050405020304" pitchFamily="18" charset="0"/>
+              </a:rPr>
+              <a:t>نشاط 02 :</a:t>
+            </a:r>
+            <a:endParaRPr lang="fr-FR" sz="3200" b="1" dirty="0">
+              <a:effectLst/>
+              <a:latin typeface="Calibri" panose="020F0502020204030204" pitchFamily="34" charset="0"/>
+              <a:ea typeface="Times New Roman" panose="02020603050405020304" pitchFamily="18" charset="0"/>
+              <a:cs typeface="Arial" panose="020B0604020202020204" pitchFamily="34" charset="0"/>
+            </a:endParaRPr>
+          </a:p>
+        </p:txBody>
+      </p:sp>
+      <p:sp>
+        <p:nvSpPr>
+          <p:cNvPr id="8" name="Rectangle 7"/>
+          <p:cNvSpPr/>
+          <p:nvPr/>
+        </p:nvSpPr>
+        <p:spPr>
+          <a:xfrm>
+            <a:off x="3756" y="1120955"/>
+            <a:ext cx="11966713" cy="2062103"/>
+          </a:xfrm>
+          <a:prstGeom prst="rect">
+            <a:avLst/>
+          </a:prstGeom>
+        </p:spPr>
+        <p:txBody>
+          <a:bodyPr wrap="square">
+            <a:spAutoFit/>
+          </a:bodyPr>
+          <a:lstStyle/>
+          <a:p>
+            <a:pPr marL="457200" indent="-457200" algn="r" rtl="1">
+              <a:buFont typeface="Wingdings" panose="05000000000000000000" pitchFamily="2" charset="2"/>
+              <a:buChar char="Ø"/>
+            </a:pPr>
+            <a:r>
+              <a:rPr lang="ar-DZ" sz="3200" dirty="0" smtClean="0">
+                <a:cs typeface="+mj-cs"/>
+              </a:rPr>
+              <a:t>انطلاقا </a:t>
+            </a:r>
+            <a:r>
+              <a:rPr lang="ar-DZ" sz="3200" dirty="0">
+                <a:cs typeface="+mj-cs"/>
+              </a:rPr>
+              <a:t>من المقاطع البرمجية التي رأيتها سابقا، املأ الفراغات بما يناسب : </a:t>
+            </a:r>
+          </a:p>
+          <a:p>
+            <a:pPr algn="r" rtl="1">
+              <a:lnSpc>
+                <a:spcPct val="150000"/>
+              </a:lnSpc>
+            </a:pPr>
+            <a:r>
+              <a:rPr lang="ar-DZ" sz="3200" dirty="0">
+                <a:cs typeface="+mj-cs"/>
+              </a:rPr>
+              <a:t>عند النقر على تعليمتي </a:t>
+            </a:r>
+            <a:r>
+              <a:rPr lang="ar-DZ" sz="3200" dirty="0" smtClean="0">
+                <a:cs typeface="+mj-cs"/>
+              </a:rPr>
+              <a:t>............. </a:t>
+            </a:r>
+            <a:r>
+              <a:rPr lang="ar-DZ" sz="3200" dirty="0">
+                <a:cs typeface="+mj-cs"/>
+              </a:rPr>
+              <a:t>و ............... المتميزتين باللون ............ تظهر لبنات </a:t>
+            </a:r>
+            <a:r>
+              <a:rPr lang="ar-DZ" sz="3200" dirty="0" smtClean="0">
+                <a:cs typeface="+mj-cs"/>
+              </a:rPr>
+              <a:t>............. </a:t>
+            </a:r>
+            <a:r>
+              <a:rPr lang="ar-DZ" sz="3200" dirty="0">
+                <a:cs typeface="+mj-cs"/>
+              </a:rPr>
+              <a:t>، حيث تمكن المبرمج من </a:t>
+            </a:r>
+            <a:r>
+              <a:rPr lang="ar-DZ" sz="3200" dirty="0" smtClean="0">
+                <a:cs typeface="+mj-cs"/>
+              </a:rPr>
+              <a:t>............. </a:t>
+            </a:r>
+            <a:r>
+              <a:rPr lang="ar-DZ" sz="3200" dirty="0">
+                <a:cs typeface="+mj-cs"/>
+              </a:rPr>
+              <a:t>في المشروع. </a:t>
+            </a:r>
+          </a:p>
+        </p:txBody>
+      </p:sp>
+      <p:sp>
+        <p:nvSpPr>
+          <p:cNvPr id="2" name="ZoneTexte 1"/>
+          <p:cNvSpPr txBox="1"/>
+          <p:nvPr/>
+        </p:nvSpPr>
+        <p:spPr>
+          <a:xfrm>
+            <a:off x="7646505" y="1819862"/>
+            <a:ext cx="1378225" cy="584775"/>
+          </a:xfrm>
+          <a:prstGeom prst="rect">
+            <a:avLst/>
+          </a:prstGeom>
+          <a:solidFill>
+            <a:schemeClr val="bg1"/>
+          </a:solidFill>
+        </p:spPr>
+        <p:txBody>
+          <a:bodyPr wrap="square" rtlCol="0">
+            <a:spAutoFit/>
+          </a:bodyPr>
+          <a:lstStyle/>
+          <a:p>
+            <a:pPr algn="ctr"/>
+            <a:r>
+              <a:rPr lang="ar-DZ" sz="3200" dirty="0" smtClean="0">
+                <a:solidFill>
+                  <a:srgbClr val="FF0000"/>
+                </a:solidFill>
+                <a:cs typeface="+mj-cs"/>
+              </a:rPr>
+              <a:t>الأحداث</a:t>
+            </a:r>
+            <a:endParaRPr lang="fr-FR" sz="3200" dirty="0">
+              <a:solidFill>
+                <a:srgbClr val="FF0000"/>
+              </a:solidFill>
+              <a:cs typeface="+mj-cs"/>
+            </a:endParaRPr>
+          </a:p>
+        </p:txBody>
+      </p:sp>
+      <p:sp>
+        <p:nvSpPr>
+          <p:cNvPr id="7" name="ZoneTexte 6"/>
+          <p:cNvSpPr txBox="1"/>
+          <p:nvPr/>
+        </p:nvSpPr>
+        <p:spPr>
+          <a:xfrm>
+            <a:off x="5738192" y="1819861"/>
+            <a:ext cx="1638520" cy="584775"/>
+          </a:xfrm>
+          <a:prstGeom prst="rect">
+            <a:avLst/>
+          </a:prstGeom>
+          <a:solidFill>
+            <a:schemeClr val="bg1"/>
+          </a:solidFill>
+        </p:spPr>
+        <p:txBody>
+          <a:bodyPr wrap="square" rtlCol="0">
+            <a:spAutoFit/>
+          </a:bodyPr>
+          <a:lstStyle/>
+          <a:p>
+            <a:pPr algn="ctr"/>
+            <a:r>
+              <a:rPr lang="ar-DZ" sz="3200" dirty="0" smtClean="0">
+                <a:solidFill>
+                  <a:srgbClr val="FF0000"/>
+                </a:solidFill>
+                <a:cs typeface="+mj-cs"/>
+              </a:rPr>
+              <a:t>التحكم</a:t>
+            </a:r>
+            <a:endParaRPr lang="fr-FR" sz="3200" dirty="0">
+              <a:solidFill>
+                <a:srgbClr val="FF0000"/>
+              </a:solidFill>
+              <a:cs typeface="+mj-cs"/>
+            </a:endParaRPr>
+          </a:p>
+        </p:txBody>
+      </p:sp>
+      <p:sp>
+        <p:nvSpPr>
+          <p:cNvPr id="9" name="ZoneTexte 8"/>
+          <p:cNvSpPr txBox="1"/>
+          <p:nvPr/>
+        </p:nvSpPr>
+        <p:spPr>
+          <a:xfrm>
+            <a:off x="2103340" y="1819860"/>
+            <a:ext cx="1378225" cy="584775"/>
+          </a:xfrm>
+          <a:prstGeom prst="rect">
+            <a:avLst/>
+          </a:prstGeom>
+          <a:solidFill>
+            <a:schemeClr val="bg1"/>
+          </a:solidFill>
+        </p:spPr>
+        <p:txBody>
+          <a:bodyPr wrap="square" rtlCol="0">
+            <a:spAutoFit/>
+          </a:bodyPr>
+          <a:lstStyle/>
+          <a:p>
+            <a:pPr algn="ctr"/>
+            <a:r>
+              <a:rPr lang="ar-DZ" sz="3200" dirty="0" smtClean="0">
+                <a:solidFill>
+                  <a:srgbClr val="FF0000"/>
+                </a:solidFill>
+                <a:cs typeface="+mj-cs"/>
+              </a:rPr>
+              <a:t>البرتقالي</a:t>
+            </a:r>
+            <a:endParaRPr lang="fr-FR" sz="3200" dirty="0">
+              <a:solidFill>
+                <a:srgbClr val="FF0000"/>
+              </a:solidFill>
+              <a:cs typeface="+mj-cs"/>
+            </a:endParaRPr>
+          </a:p>
+        </p:txBody>
+      </p:sp>
+      <p:sp>
+        <p:nvSpPr>
+          <p:cNvPr id="10" name="ZoneTexte 9"/>
+          <p:cNvSpPr txBox="1"/>
+          <p:nvPr/>
+        </p:nvSpPr>
+        <p:spPr>
+          <a:xfrm>
+            <a:off x="10592244" y="2502349"/>
+            <a:ext cx="1378225" cy="584775"/>
+          </a:xfrm>
+          <a:prstGeom prst="rect">
+            <a:avLst/>
+          </a:prstGeom>
+          <a:solidFill>
+            <a:schemeClr val="bg1"/>
+          </a:solidFill>
+        </p:spPr>
+        <p:txBody>
+          <a:bodyPr wrap="square" rtlCol="0">
+            <a:spAutoFit/>
+          </a:bodyPr>
+          <a:lstStyle/>
+          <a:p>
+            <a:pPr algn="ctr"/>
+            <a:r>
+              <a:rPr lang="ar-DZ" sz="3200" dirty="0" smtClean="0">
+                <a:solidFill>
+                  <a:srgbClr val="FF0000"/>
+                </a:solidFill>
+                <a:cs typeface="+mj-cs"/>
+              </a:rPr>
+              <a:t>التحكم</a:t>
+            </a:r>
+            <a:endParaRPr lang="fr-FR" sz="3200" dirty="0">
+              <a:solidFill>
+                <a:srgbClr val="FF0000"/>
+              </a:solidFill>
+              <a:cs typeface="+mj-cs"/>
+            </a:endParaRPr>
+          </a:p>
+        </p:txBody>
+      </p:sp>
+      <p:sp>
+        <p:nvSpPr>
+          <p:cNvPr id="11" name="ZoneTexte 10"/>
+          <p:cNvSpPr txBox="1"/>
+          <p:nvPr/>
+        </p:nvSpPr>
+        <p:spPr>
+          <a:xfrm>
+            <a:off x="5868339" y="2502349"/>
+            <a:ext cx="1378225" cy="584775"/>
+          </a:xfrm>
+          <a:prstGeom prst="rect">
+            <a:avLst/>
+          </a:prstGeom>
+          <a:solidFill>
+            <a:schemeClr val="bg1"/>
+          </a:solidFill>
+        </p:spPr>
+        <p:txBody>
+          <a:bodyPr wrap="square" rtlCol="0">
+            <a:spAutoFit/>
+          </a:bodyPr>
+          <a:lstStyle/>
+          <a:p>
+            <a:pPr algn="ctr"/>
+            <a:r>
+              <a:rPr lang="ar-DZ" sz="3200" dirty="0" smtClean="0">
+                <a:solidFill>
+                  <a:srgbClr val="FF0000"/>
+                </a:solidFill>
+                <a:cs typeface="+mj-cs"/>
+              </a:rPr>
+              <a:t>التحكم</a:t>
+            </a:r>
+            <a:endParaRPr lang="fr-FR" sz="3200" dirty="0">
+              <a:solidFill>
+                <a:srgbClr val="FF0000"/>
+              </a:solidFill>
+              <a:cs typeface="+mj-cs"/>
+            </a:endParaRPr>
+          </a:p>
+        </p:txBody>
+      </p:sp>
+    </p:spTree>
+    <p:extLst>
+      <p:ext uri="{BB962C8B-B14F-4D97-AF65-F5344CB8AC3E}">
+        <p14:creationId xmlns:p14="http://schemas.microsoft.com/office/powerpoint/2010/main" val="478042830"/>
+      </p:ext>
+    </p:extLst>
+  </p:cSld>
+  <p:clrMapOvr>
+    <a:masterClrMapping/>
+  </p:clrMapOvr>
+  <p:transition spd="slow">
+    <p:push dir="u"/>
+  </p:transition>
   <p:timing>
     <p:tnLst>
       <p:par>
@@ -3721,7 +4911,7 @@
                                           </p:stCondLst>
                                         </p:cTn>
                                         <p:tgtEl>
-                                          <p:spTgt spid="3"/>
+                                          <p:spTgt spid="2"/>
                                         </p:tgtEl>
                                         <p:attrNameLst>
                                           <p:attrName>style.visibility</p:attrName>
@@ -3735,7 +4925,7 @@
                                       <p:cBhvr>
                                         <p:cTn id="7" dur="1000"/>
                                         <p:tgtEl>
-                                          <p:spTgt spid="3"/>
+                                          <p:spTgt spid="2"/>
                                         </p:tgtEl>
                                       </p:cBhvr>
                                     </p:animEffect>
@@ -3743,7 +4933,7 @@
                                       <p:cBhvr>
                                         <p:cTn id="8" dur="1000" fill="hold"/>
                                         <p:tgtEl>
-                                          <p:spTgt spid="3"/>
+                                          <p:spTgt spid="2"/>
                                         </p:tgtEl>
                                         <p:attrNameLst>
                                           <p:attrName>ppt_x</p:attrName>
@@ -3766,7 +4956,403 @@
                                       <p:cBhvr>
                                         <p:cTn id="9" dur="1000" fill="hold"/>
                                         <p:tgtEl>
-                                          <p:spTgt spid="3"/>
+                                          <p:spTgt spid="2"/>
+                                        </p:tgtEl>
+                                        <p:attrNameLst>
+                                          <p:attrName>ppt_y</p:attrName>
+                                        </p:attrNameLst>
+                                      </p:cBhvr>
+                                      <p:tavLst>
+                                        <p:tav tm="0">
+                                          <p:val>
+                                            <p:strVal val="#ppt_y+.1"/>
+                                          </p:val>
+                                        </p:tav>
+                                        <p:tav tm="100000">
+                                          <p:val>
+                                            <p:strVal val="#ppt_y"/>
+                                          </p:val>
+                                        </p:tav>
+                                      </p:tavLst>
+                                    </p:anim>
+                                  </p:childTnLst>
+                                </p:cTn>
+                              </p:par>
+                            </p:childTnLst>
+                          </p:cTn>
+                        </p:par>
+                      </p:childTnLst>
+                    </p:cTn>
+                  </p:par>
+                  <p:par>
+                    <p:cTn id="10" fill="hold">
+                      <p:stCondLst>
+                        <p:cond delay="indefinite"/>
+                      </p:stCondLst>
+                      <p:childTnLst>
+                        <p:par>
+                          <p:cTn id="11" fill="hold">
+                            <p:stCondLst>
+                              <p:cond delay="0"/>
+                            </p:stCondLst>
+                            <p:childTnLst>
+                              <p:par>
+                                <p:cTn id="12" presetID="42" presetClass="entr" presetSubtype="0" fill="hold" grpId="0" nodeType="clickEffect">
+                                  <p:stCondLst>
+                                    <p:cond delay="0"/>
+                                  </p:stCondLst>
+                                  <p:childTnLst>
+                                    <p:set>
+                                      <p:cBhvr>
+                                        <p:cTn id="13" dur="1" fill="hold">
+                                          <p:stCondLst>
+                                            <p:cond delay="0"/>
+                                          </p:stCondLst>
+                                        </p:cTn>
+                                        <p:tgtEl>
+                                          <p:spTgt spid="7"/>
+                                        </p:tgtEl>
+                                        <p:attrNameLst>
+                                          <p:attrName>style.visibility</p:attrName>
+                                        </p:attrNameLst>
+                                      </p:cBhvr>
+                                      <p:to>
+                                        <p:strVal val="visible"/>
+                                      </p:to>
+                                    </p:set>
+                                    <p:animEffect transition="in" filter="fade">
+                                      <p:cBhvr>
+                                        <p:cTn id="14" dur="1000"/>
+                                        <p:tgtEl>
+                                          <p:spTgt spid="7"/>
+                                        </p:tgtEl>
+                                      </p:cBhvr>
+                                    </p:animEffect>
+                                    <p:anim calcmode="lin" valueType="num">
+                                      <p:cBhvr>
+                                        <p:cTn id="15" dur="1000" fill="hold"/>
+                                        <p:tgtEl>
+                                          <p:spTgt spid="7"/>
+                                        </p:tgtEl>
+                                        <p:attrNameLst>
+                                          <p:attrName>ppt_x</p:attrName>
+                                        </p:attrNameLst>
+                                      </p:cBhvr>
+                                      <p:tavLst>
+                                        <p:tav tm="0">
+                                          <p:val>
+                                            <p:strVal val="#ppt_x"/>
+                                          </p:val>
+                                        </p:tav>
+                                        <p:tav tm="100000">
+                                          <p:val>
+                                            <p:strVal val="#ppt_x"/>
+                                          </p:val>
+                                        </p:tav>
+                                      </p:tavLst>
+                                    </p:anim>
+                                    <p:anim calcmode="lin" valueType="num">
+                                      <p:cBhvr>
+                                        <p:cTn id="16" dur="1000" fill="hold"/>
+                                        <p:tgtEl>
+                                          <p:spTgt spid="7"/>
+                                        </p:tgtEl>
+                                        <p:attrNameLst>
+                                          <p:attrName>ppt_y</p:attrName>
+                                        </p:attrNameLst>
+                                      </p:cBhvr>
+                                      <p:tavLst>
+                                        <p:tav tm="0">
+                                          <p:val>
+                                            <p:strVal val="#ppt_y+.1"/>
+                                          </p:val>
+                                        </p:tav>
+                                        <p:tav tm="100000">
+                                          <p:val>
+                                            <p:strVal val="#ppt_y"/>
+                                          </p:val>
+                                        </p:tav>
+                                      </p:tavLst>
+                                    </p:anim>
+                                  </p:childTnLst>
+                                </p:cTn>
+                              </p:par>
+                            </p:childTnLst>
+                          </p:cTn>
+                        </p:par>
+                      </p:childTnLst>
+                    </p:cTn>
+                  </p:par>
+                  <p:par>
+                    <p:cTn id="17" fill="hold">
+                      <p:stCondLst>
+                        <p:cond delay="indefinite"/>
+                      </p:stCondLst>
+                      <p:childTnLst>
+                        <p:par>
+                          <p:cTn id="18" fill="hold">
+                            <p:stCondLst>
+                              <p:cond delay="0"/>
+                            </p:stCondLst>
+                            <p:childTnLst>
+                              <p:par>
+                                <p:cTn id="19" presetID="42" presetClass="entr" presetSubtype="0" fill="hold" grpId="0" nodeType="clickEffect">
+                                  <p:stCondLst>
+                                    <p:cond delay="0"/>
+                                  </p:stCondLst>
+                                  <p:childTnLst>
+                                    <p:set>
+                                      <p:cBhvr>
+                                        <p:cTn id="20" dur="1" fill="hold">
+                                          <p:stCondLst>
+                                            <p:cond delay="0"/>
+                                          </p:stCondLst>
+                                        </p:cTn>
+                                        <p:tgtEl>
+                                          <p:spTgt spid="9"/>
+                                        </p:tgtEl>
+                                        <p:attrNameLst>
+                                          <p:attrName>style.visibility</p:attrName>
+                                        </p:attrNameLst>
+                                      </p:cBhvr>
+                                      <p:to>
+                                        <p:strVal val="visible"/>
+                                      </p:to>
+                                    </p:set>
+                                    <p:animEffect transition="in" filter="fade">
+                                      <p:cBhvr>
+                                        <p:cTn id="21" dur="1000"/>
+                                        <p:tgtEl>
+                                          <p:spTgt spid="9"/>
+                                        </p:tgtEl>
+                                      </p:cBhvr>
+                                    </p:animEffect>
+                                    <p:anim calcmode="lin" valueType="num">
+                                      <p:cBhvr>
+                                        <p:cTn id="22" dur="1000" fill="hold"/>
+                                        <p:tgtEl>
+                                          <p:spTgt spid="9"/>
+                                        </p:tgtEl>
+                                        <p:attrNameLst>
+                                          <p:attrName>ppt_x</p:attrName>
+                                        </p:attrNameLst>
+                                      </p:cBhvr>
+                                      <p:tavLst>
+                                        <p:tav tm="0">
+                                          <p:val>
+                                            <p:strVal val="#ppt_x"/>
+                                          </p:val>
+                                        </p:tav>
+                                        <p:tav tm="100000">
+                                          <p:val>
+                                            <p:strVal val="#ppt_x"/>
+                                          </p:val>
+                                        </p:tav>
+                                      </p:tavLst>
+                                    </p:anim>
+                                    <p:anim calcmode="lin" valueType="num">
+                                      <p:cBhvr>
+                                        <p:cTn id="23" dur="1000" fill="hold"/>
+                                        <p:tgtEl>
+                                          <p:spTgt spid="9"/>
+                                        </p:tgtEl>
+                                        <p:attrNameLst>
+                                          <p:attrName>ppt_y</p:attrName>
+                                        </p:attrNameLst>
+                                      </p:cBhvr>
+                                      <p:tavLst>
+                                        <p:tav tm="0">
+                                          <p:val>
+                                            <p:strVal val="#ppt_y+.1"/>
+                                          </p:val>
+                                        </p:tav>
+                                        <p:tav tm="100000">
+                                          <p:val>
+                                            <p:strVal val="#ppt_y"/>
+                                          </p:val>
+                                        </p:tav>
+                                      </p:tavLst>
+                                    </p:anim>
+                                  </p:childTnLst>
+                                </p:cTn>
+                              </p:par>
+                            </p:childTnLst>
+                          </p:cTn>
+                        </p:par>
+                      </p:childTnLst>
+                    </p:cTn>
+                  </p:par>
+                  <p:par>
+                    <p:cTn id="24" fill="hold">
+                      <p:stCondLst>
+                        <p:cond delay="indefinite"/>
+                      </p:stCondLst>
+                      <p:childTnLst>
+                        <p:par>
+                          <p:cTn id="25" fill="hold">
+                            <p:stCondLst>
+                              <p:cond delay="0"/>
+                            </p:stCondLst>
+                            <p:childTnLst>
+                              <p:par>
+                                <p:cTn id="26" presetID="42" presetClass="entr" presetSubtype="0" fill="hold" grpId="0" nodeType="clickEffect">
+                                  <p:stCondLst>
+                                    <p:cond delay="0"/>
+                                  </p:stCondLst>
+                                  <p:childTnLst>
+                                    <p:set>
+                                      <p:cBhvr>
+                                        <p:cTn id="27" dur="1" fill="hold">
+                                          <p:stCondLst>
+                                            <p:cond delay="0"/>
+                                          </p:stCondLst>
+                                        </p:cTn>
+                                        <p:tgtEl>
+                                          <p:spTgt spid="10"/>
+                                        </p:tgtEl>
+                                        <p:attrNameLst>
+                                          <p:attrName>style.visibility</p:attrName>
+                                        </p:attrNameLst>
+                                      </p:cBhvr>
+                                      <p:to>
+                                        <p:strVal val="visible"/>
+                                      </p:to>
+                                    </p:set>
+                                    <p:animEffect transition="in" filter="fade">
+                                      <p:cBhvr>
+                                        <p:cTn id="28" dur="1000"/>
+                                        <p:tgtEl>
+                                          <p:spTgt spid="10"/>
+                                        </p:tgtEl>
+                                      </p:cBhvr>
+                                    </p:animEffect>
+                                    <p:anim calcmode="lin" valueType="num">
+                                      <p:cBhvr>
+                                        <p:cTn id="29" dur="1000" fill="hold"/>
+                                        <p:tgtEl>
+                                          <p:spTgt spid="10"/>
+                                        </p:tgtEl>
+                                        <p:attrNameLst>
+                                          <p:attrName>ppt_x</p:attrName>
+                                        </p:attrNameLst>
+                                      </p:cBhvr>
+                                      <p:tavLst>
+                                        <p:tav tm="0">
+                                          <p:val>
+                                            <p:strVal val="#ppt_x"/>
+                                          </p:val>
+                                        </p:tav>
+                                        <p:tav tm="100000">
+                                          <p:val>
+                                            <p:strVal val="#ppt_x"/>
+                                          </p:val>
+                                        </p:tav>
+                                      </p:tavLst>
+                                    </p:anim>
+                                    <p:anim calcmode="lin" valueType="num">
+                                      <p:cBhvr>
+                                        <p:cTn id="30" dur="1000" fill="hold"/>
+                                        <p:tgtEl>
+                                          <p:spTgt spid="10"/>
+                                        </p:tgtEl>
+                                        <p:attrNameLst>
+                                          <p:attrName>ppt_y</p:attrName>
+                                        </p:attrNameLst>
+                                      </p:cBhvr>
+                                      <p:tavLst>
+                                        <p:tav tm="0">
+                                          <p:val>
+                                            <p:strVal val="#ppt_y+.1"/>
+                                          </p:val>
+                                        </p:tav>
+                                        <p:tav tm="100000">
+                                          <p:val>
+                                            <p:strVal val="#ppt_y"/>
+                                          </p:val>
+                                        </p:tav>
+                                      </p:tavLst>
+                                    </p:anim>
+                                  </p:childTnLst>
+                                </p:cTn>
+                              </p:par>
+                            </p:childTnLst>
+                          </p:cTn>
+                        </p:par>
+                      </p:childTnLst>
+                    </p:cTn>
+                  </p:par>
+                  <p:par>
+                    <p:cTn id="31" fill="hold">
+                      <p:stCondLst>
+                        <p:cond delay="indefinite"/>
+                      </p:stCondLst>
+                      <p:childTnLst>
+                        <p:par>
+                          <p:cTn id="32" fill="hold">
+                            <p:stCondLst>
+                              <p:cond delay="0"/>
+                            </p:stCondLst>
+                            <p:childTnLst>
+                              <p:par>
+                                <p:cTn id="33" presetID="42" presetClass="entr" presetSubtype="0" fill="hold" grpId="0" nodeType="clickEffect">
+                                  <p:stCondLst>
+                                    <p:cond delay="0"/>
+                                  </p:stCondLst>
+                                  <p:childTnLst>
+                                    <p:set>
+                                      <p:cBhvr>
+                                        <p:cTn id="34" dur="1" fill="hold">
+                                          <p:stCondLst>
+                                            <p:cond delay="0"/>
+                                          </p:stCondLst>
+                                        </p:cTn>
+                                        <p:tgtEl>
+                                          <p:spTgt spid="11"/>
+                                        </p:tgtEl>
+                                        <p:attrNameLst>
+                                          <p:attrName>style.visibility</p:attrName>
+                                        </p:attrNameLst>
+                                      </p:cBhvr>
+                                      <p:to>
+                                        <p:strVal val="visible"/>
+                                      </p:to>
+                                    </p:set>
+                                    <p:animEffect transition="in" filter="fade">
+                                      <p:cBhvr>
+                                        <p:cTn id="35" dur="1000"/>
+                                        <p:tgtEl>
+                                          <p:spTgt spid="11"/>
+                                        </p:tgtEl>
+                                      </p:cBhvr>
+                                    </p:animEffect>
+                                    <p:anim calcmode="lin" valueType="num">
+                                      <p:cBhvr>
+                                        <p:cTn id="36" dur="1000" fill="hold"/>
+                                        <p:tgtEl>
+                                          <p:spTgt spid="11"/>
+                                        </p:tgtEl>
+                                        <p:attrNameLst>
+                                          <p:attrName>ppt_x</p:attrName>
+                                        </p:attrNameLst>
+                                      </p:cBhvr>
+                                      <p:tavLst>
+                                        <p:tav tm="0">
+                                          <p:val>
+                                            <p:strVal val="#ppt_x"/>
+                                          </p:val>
+                                        </p:tav>
+                                        <p:tav tm="100000">
+                                          <p:val>
+                                            <p:strVal val="#ppt_x"/>
+                                          </p:val>
+                                        </p:tav>
+                                      </p:tavLst>
+                                    </p:anim>
+                                    <p:anim calcmode="lin" valueType="num">
+                                      <p:cBhvr>
+                                        <p:cTn id="37" dur="1000" fill="hold"/>
+                                        <p:tgtEl>
+                                          <p:spTgt spid="11"/>
                                         </p:tgtEl>
                                         <p:attrNameLst>
                                           <p:attrName>ppt_y</p:attrName>
@@ -3816,13 +5402,17 @@
       </p:par>
     </p:tnLst>
     <p:bldLst>
-      <p:bldP spid="3" grpId="0" animBg="1"/>
+      <p:bldP spid="2" grpId="0" animBg="1"/>
+      <p:bldP spid="7" grpId="0" animBg="1"/>
+      <p:bldP spid="9" grpId="0" animBg="1"/>
+      <p:bldP spid="10" grpId="0" animBg="1"/>
+      <p:bldP spid="11" grpId="0" animBg="1"/>
     </p:bldLst>
   </p:timing>
 </p:sld>
 </file>
 
-<file path=ppt/slides/slide2.xml><?xml version="1.0" encoding="utf-8"?>
+<file path=ppt/slides/slide5.xml><?xml version="1.0" encoding="utf-8"?>
 <p:sld xmlns:a="http://schemas.openxmlformats.org/drawingml/2006/main" xmlns:r="http://schemas.openxmlformats.org/officeDocument/2006/relationships" xmlns:p="http://schemas.openxmlformats.org/presentationml/2006/main">
   <p:cSld>
     <p:bg>
@@ -3855,8 +5445,8 @@
         </p:nvSpPr>
         <p:spPr>
           <a:xfrm>
-            <a:off x="0" y="145774"/>
-            <a:ext cx="12191999" cy="729430"/>
+            <a:off x="0" y="41322"/>
+            <a:ext cx="11970469" cy="755400"/>
           </a:xfrm>
           <a:prstGeom prst="rect">
             <a:avLst/>
@@ -3868,7 +5458,7 @@
           </a:bodyPr>
           <a:lstStyle/>
           <a:p>
-            <a:pPr algn="ctr" rtl="1">
+            <a:pPr algn="r" rtl="1">
               <a:lnSpc>
                 <a:spcPct val="115000"/>
               </a:lnSpc>
@@ -3877,7 +5467,7 @@
               </a:spcAft>
             </a:pPr>
             <a:r>
-              <a:rPr lang="ar-DZ" sz="3600" b="1" u="sng" dirty="0">
+              <a:rPr lang="ar-DZ" sz="4000" b="1" u="sng" dirty="0" smtClean="0">
                 <a:solidFill>
                   <a:srgbClr val="FF0000"/>
                 </a:solidFill>
@@ -3885,10 +5475,10 @@
                 <a:ea typeface="Times New Roman" panose="02020603050405020304" pitchFamily="18" charset="0"/>
                 <a:cs typeface="Times New Roman" panose="02020603050405020304" pitchFamily="18" charset="0"/>
               </a:rPr>
-              <a:t>الوضعية </a:t>
-            </a:r>
-            <a:r>
-              <a:rPr lang="ar-DZ" sz="3600" b="1" u="sng" dirty="0" err="1">
+              <a:t>نشاط 03 </a:t>
+            </a:r>
+            <a:r>
+              <a:rPr lang="ar-DZ" sz="4000" b="1" u="sng" dirty="0" smtClean="0">
                 <a:solidFill>
                   <a:srgbClr val="FF0000"/>
                 </a:solidFill>
@@ -3896,20 +5486,9 @@
                 <a:ea typeface="Times New Roman" panose="02020603050405020304" pitchFamily="18" charset="0"/>
                 <a:cs typeface="Times New Roman" panose="02020603050405020304" pitchFamily="18" charset="0"/>
               </a:rPr>
-              <a:t>الإنطلاقية</a:t>
-            </a:r>
-            <a:r>
-              <a:rPr lang="ar-DZ" sz="3600" b="1" u="sng" dirty="0">
-                <a:solidFill>
-                  <a:srgbClr val="FF0000"/>
-                </a:solidFill>
-                <a:latin typeface="Calibri" panose="020F0502020204030204" pitchFamily="34" charset="0"/>
-                <a:ea typeface="Times New Roman" panose="02020603050405020304" pitchFamily="18" charset="0"/>
-                <a:cs typeface="Times New Roman" panose="02020603050405020304" pitchFamily="18" charset="0"/>
-              </a:rPr>
-              <a:t> :</a:t>
-            </a:r>
-            <a:endParaRPr lang="fr-FR" sz="3600" b="1" dirty="0">
+              <a:t>:</a:t>
+            </a:r>
+            <a:endParaRPr lang="fr-FR" sz="3200" b="1" dirty="0">
               <a:effectLst/>
               <a:latin typeface="Calibri" panose="020F0502020204030204" pitchFamily="34" charset="0"/>
               <a:ea typeface="Times New Roman" panose="02020603050405020304" pitchFamily="18" charset="0"/>
@@ -3918,297 +5497,185 @@
           </a:p>
         </p:txBody>
       </p:sp>
-      <mc:AlternateContent xmlns:mc="http://schemas.openxmlformats.org/markup-compatibility/2006">
-        <mc:Choice xmlns:a14="http://schemas.microsoft.com/office/drawing/2010/main" Requires="a14">
-          <p:sp>
-            <p:nvSpPr>
-              <p:cNvPr id="3" name="Rectangle 2"/>
-              <p:cNvSpPr/>
-              <p:nvPr/>
-            </p:nvSpPr>
-            <p:spPr>
-              <a:xfrm>
-                <a:off x="463827" y="1230337"/>
-                <a:ext cx="11565784" cy="3886385"/>
-              </a:xfrm>
-              <a:prstGeom prst="rect">
-                <a:avLst/>
-              </a:prstGeom>
-            </p:spPr>
-            <p:txBody>
-              <a:bodyPr wrap="square">
-                <a:spAutoFit/>
-              </a:bodyPr>
-              <a:lstStyle/>
-              <a:p>
-                <a:pPr marL="457200" indent="-457200" algn="r" rtl="1">
-                  <a:buFont typeface="Wingdings" panose="05000000000000000000" pitchFamily="2" charset="2"/>
-                  <a:buChar char="Ø"/>
-                </a:pPr>
-                <a:r>
-                  <a:rPr lang="ar-DZ" sz="3200" dirty="0"/>
-                  <a:t>برأيك ، ماذا تمثل </a:t>
-                </a:r>
-                <a:r>
-                  <a:rPr lang="ar-DZ" sz="3600" dirty="0"/>
-                  <a:t>العناصر</a:t>
-                </a:r>
-                <a:r>
-                  <a:rPr lang="ar-DZ" sz="3200" dirty="0"/>
-                  <a:t> التالية </a:t>
-                </a:r>
-                <a:r>
-                  <a:rPr lang="ar-DZ" sz="3200" dirty="0" smtClean="0"/>
-                  <a:t>:</a:t>
-                </a:r>
-                <a:endParaRPr lang="fr-FR" sz="3200" dirty="0" smtClean="0"/>
-              </a:p>
-              <a:p>
-                <a:pPr algn="r" rtl="1"/>
-                <a:endParaRPr lang="fr-FR" sz="3200" dirty="0"/>
-              </a:p>
-              <a:p>
-                <a:pPr algn="r" rtl="1"/>
-                <a:r>
-                  <a:rPr lang="ar-DZ" sz="3200" b="1" dirty="0"/>
-                  <a:t>≠      &gt;     =         #        $     +      €    </a:t>
-                </a:r>
-                <a:endParaRPr lang="fr-FR" sz="3200" b="1" dirty="0" smtClean="0"/>
-              </a:p>
-              <a:p>
-                <a:pPr algn="r" rtl="1"/>
-                <a:endParaRPr lang="fr-FR" sz="3200" b="1" dirty="0" smtClean="0"/>
-              </a:p>
-              <a:p>
-                <a:pPr marL="571500" indent="-571500" algn="r" rtl="1">
-                  <a:buFont typeface="Wingdings" panose="05000000000000000000" pitchFamily="2" charset="2"/>
-                  <a:buChar char="Ø"/>
-                </a:pPr>
-                <a:r>
-                  <a:rPr lang="ar-DZ" sz="3600" dirty="0"/>
-                  <a:t>وهذه العبارات، كيف تسمى </a:t>
-                </a:r>
-                <a:r>
-                  <a:rPr lang="ar-DZ" sz="3600" dirty="0" smtClean="0"/>
-                  <a:t>؟</a:t>
-                </a:r>
-                <a:endParaRPr lang="fr-FR" sz="3600" dirty="0" smtClean="0"/>
-              </a:p>
-              <a:p>
-                <a:pPr algn="r" rtl="1"/>
-                <a:endParaRPr lang="fr-FR" sz="3200" dirty="0"/>
-              </a:p>
-              <a:p>
-                <a:pPr algn="r" rtl="1"/>
-                <a14:m>
-                  <m:oMath xmlns:m="http://schemas.openxmlformats.org/officeDocument/2006/math">
-                    <m:f>
-                      <m:fPr>
-                        <m:ctrlPr>
-                          <a:rPr lang="fr-FR" sz="3200" b="1" i="1"/>
-                        </m:ctrlPr>
-                      </m:fPr>
-                      <m:num>
-                        <m:r>
-                          <a:rPr lang="fr-FR" sz="3200" b="1" i="1"/>
-                          <m:t>𝟑</m:t>
-                        </m:r>
-                      </m:num>
-                      <m:den>
-                        <m:r>
-                          <a:rPr lang="fr-FR" sz="3200" b="1" i="1"/>
-                          <m:t>𝟐</m:t>
-                        </m:r>
-                      </m:den>
-                    </m:f>
-                    <m:r>
-                      <a:rPr lang="fr-FR" sz="3200" b="1"/>
-                      <m:t>+</m:t>
-                    </m:r>
-                    <m:f>
-                      <m:fPr>
-                        <m:ctrlPr>
-                          <a:rPr lang="fr-FR" sz="3200" b="1" i="1"/>
-                        </m:ctrlPr>
-                      </m:fPr>
-                      <m:num>
-                        <m:r>
-                          <a:rPr lang="fr-FR" sz="3200" b="1" i="1"/>
-                          <m:t>𝟓</m:t>
-                        </m:r>
-                      </m:num>
-                      <m:den>
-                        <m:r>
-                          <a:rPr lang="fr-FR" sz="3200" b="1" i="1"/>
-                          <m:t>𝟐</m:t>
-                        </m:r>
-                      </m:den>
-                    </m:f>
-                    <m:r>
-                      <a:rPr lang="fr-FR" sz="3200" b="1" i="1"/>
-                      <m:t>=</m:t>
-                    </m:r>
-                    <m:r>
-                      <a:rPr lang="fr-FR" sz="3200" b="1" i="1"/>
-                      <m:t>𝟒</m:t>
-                    </m:r>
-                  </m:oMath>
-                </a14:m>
-                <a:r>
-                  <a:rPr lang="ar-DZ" sz="3200" b="1" dirty="0"/>
-                  <a:t>           </a:t>
-                </a:r>
-                <a14:m>
-                  <m:oMath xmlns:m="http://schemas.openxmlformats.org/officeDocument/2006/math">
-                    <m:r>
-                      <a:rPr lang="fr-FR" sz="3200" b="1" i="1"/>
-                      <m:t>𝟓</m:t>
-                    </m:r>
-                    <m:r>
-                      <a:rPr lang="fr-FR" sz="3200" b="1" i="1"/>
-                      <m:t>+</m:t>
-                    </m:r>
-                    <m:d>
-                      <m:dPr>
-                        <m:ctrlPr>
-                          <a:rPr lang="fr-FR" sz="3200" b="1" i="1"/>
-                        </m:ctrlPr>
-                      </m:dPr>
-                      <m:e>
-                        <m:r>
-                          <a:rPr lang="fr-FR" sz="3200" b="1" i="1"/>
-                          <m:t>𝟑</m:t>
-                        </m:r>
-                        <m:r>
-                          <a:rPr lang="fr-FR" sz="3200" b="1" i="1"/>
-                          <m:t>−</m:t>
-                        </m:r>
-                        <m:r>
-                          <a:rPr lang="fr-FR" sz="3200" b="1" i="1"/>
-                          <m:t>𝟒</m:t>
-                        </m:r>
-                      </m:e>
-                    </m:d>
-                    <m:r>
-                      <a:rPr lang="fr-FR" sz="3200" b="1" i="1"/>
-                      <m:t>=</m:t>
-                    </m:r>
-                    <m:r>
-                      <a:rPr lang="fr-FR" sz="3200" b="1" i="1"/>
-                      <m:t>𝟒</m:t>
-                    </m:r>
-                  </m:oMath>
-                </a14:m>
-                <a:r>
-                  <a:rPr lang="ar-DZ" sz="3200" b="1" dirty="0"/>
-                  <a:t>             </a:t>
-                </a:r>
-                <a14:m>
-                  <m:oMath xmlns:m="http://schemas.openxmlformats.org/officeDocument/2006/math">
-                    <m:f>
-                      <m:fPr>
-                        <m:ctrlPr>
-                          <a:rPr lang="fr-FR" sz="3200" b="1" i="1"/>
-                        </m:ctrlPr>
-                      </m:fPr>
-                      <m:num>
-                        <m:r>
-                          <a:rPr lang="fr-FR" sz="3200" b="1" i="1"/>
-                          <m:t>𝟑</m:t>
-                        </m:r>
-                      </m:num>
-                      <m:den>
-                        <m:r>
-                          <a:rPr lang="fr-FR" sz="3200" b="1" i="1"/>
-                          <m:t>𝟓</m:t>
-                        </m:r>
-                      </m:den>
-                    </m:f>
-                    <m:r>
-                      <a:rPr lang="fr-FR" sz="3200" b="1" i="1"/>
-                      <m:t>+</m:t>
-                    </m:r>
-                    <m:r>
-                      <a:rPr lang="fr-FR" sz="3200" b="1" i="1"/>
-                      <m:t>𝟏</m:t>
-                    </m:r>
-                    <m:r>
-                      <a:rPr lang="fr-FR" sz="3200" b="1" i="1"/>
-                      <m:t>=</m:t>
-                    </m:r>
-                    <m:f>
-                      <m:fPr>
-                        <m:ctrlPr>
-                          <a:rPr lang="fr-FR" sz="3200" b="1" i="1"/>
-                        </m:ctrlPr>
-                      </m:fPr>
-                      <m:num>
-                        <m:r>
-                          <a:rPr lang="fr-FR" sz="3200" b="1" i="1"/>
-                          <m:t>𝟖</m:t>
-                        </m:r>
-                      </m:num>
-                      <m:den>
-                        <m:r>
-                          <a:rPr lang="fr-FR" sz="3200" b="1" i="1"/>
-                          <m:t>𝟓</m:t>
-                        </m:r>
-                      </m:den>
-                    </m:f>
-                  </m:oMath>
-                </a14:m>
-                <a:r>
-                  <a:rPr lang="ar-DZ" sz="3200" b="1" dirty="0" smtClean="0"/>
-                  <a:t>  </a:t>
-                </a:r>
-                <a:endParaRPr lang="fr-FR" sz="3200" b="1" dirty="0"/>
-              </a:p>
-            </p:txBody>
-          </p:sp>
-        </mc:Choice>
-        <mc:Fallback>
-          <p:sp>
-            <p:nvSpPr>
-              <p:cNvPr id="3" name="Rectangle 2"/>
-              <p:cNvSpPr>
-                <a:spLocks noRot="1" noChangeAspect="1" noMove="1" noResize="1" noEditPoints="1" noAdjustHandles="1" noChangeArrowheads="1" noChangeShapeType="1" noTextEdit="1"/>
-              </p:cNvSpPr>
-              <p:nvPr/>
-            </p:nvSpPr>
-            <p:spPr>
-              <a:xfrm>
-                <a:off x="463827" y="1230337"/>
-                <a:ext cx="11565784" cy="3886385"/>
-              </a:xfrm>
-              <a:prstGeom prst="rect">
-                <a:avLst/>
-              </a:prstGeom>
-              <a:blipFill rotWithShape="0">
-                <a:blip r:embed="rId3"/>
-                <a:stretch>
-                  <a:fillRect t="-2512" r="-1476" b="-1413"/>
-                </a:stretch>
-              </a:blipFill>
-            </p:spPr>
-            <p:txBody>
-              <a:bodyPr/>
-              <a:lstStyle/>
-              <a:p>
-                <a:r>
-                  <a:rPr lang="fr-FR">
-                    <a:noFill/>
-                  </a:rPr>
-                  <a:t> </a:t>
-                </a:r>
-              </a:p>
-            </p:txBody>
-          </p:sp>
-        </mc:Fallback>
-      </mc:AlternateContent>
+      <p:sp>
+        <p:nvSpPr>
+          <p:cNvPr id="8" name="Rectangle 7"/>
+          <p:cNvSpPr/>
+          <p:nvPr/>
+        </p:nvSpPr>
+        <p:spPr>
+          <a:xfrm>
+            <a:off x="3756" y="796722"/>
+            <a:ext cx="11966713" cy="5509200"/>
+          </a:xfrm>
+          <a:prstGeom prst="rect">
+            <a:avLst/>
+          </a:prstGeom>
+        </p:spPr>
+        <p:txBody>
+          <a:bodyPr wrap="square">
+            <a:spAutoFit/>
+          </a:bodyPr>
+          <a:lstStyle/>
+          <a:p>
+            <a:pPr marL="457200" indent="-457200" algn="r" rtl="1">
+              <a:buFont typeface="Wingdings" panose="05000000000000000000" pitchFamily="2" charset="2"/>
+              <a:buChar char="Ø"/>
+            </a:pPr>
+            <a:r>
+              <a:rPr lang="ar-DZ" sz="3200" dirty="0" smtClean="0"/>
+              <a:t>لنتوجه </a:t>
+            </a:r>
+            <a:r>
+              <a:rPr lang="ar-DZ" sz="3200" dirty="0"/>
+              <a:t>إلى الحاسوب ونلاحظ </a:t>
+            </a:r>
+            <a:r>
+              <a:rPr lang="ar-DZ" sz="3200" dirty="0" err="1"/>
+              <a:t>الإختلاف</a:t>
+            </a:r>
+            <a:r>
+              <a:rPr lang="ar-DZ" sz="3200" dirty="0"/>
+              <a:t> في شكل لبنات الأحداث و التحكم ؟ </a:t>
+            </a:r>
+          </a:p>
+          <a:p>
+            <a:pPr marL="457200" indent="-457200" algn="r" rtl="1">
+              <a:buFont typeface="Wingdings" panose="05000000000000000000" pitchFamily="2" charset="2"/>
+              <a:buChar char="Ø"/>
+            </a:pPr>
+            <a:r>
+              <a:rPr lang="ar-DZ" sz="3200" dirty="0" smtClean="0"/>
+              <a:t>لنحاول </a:t>
+            </a:r>
+            <a:r>
+              <a:rPr lang="ar-DZ" sz="3200" dirty="0"/>
+              <a:t>إنشاء المقطع البرمجي التالي </a:t>
+            </a:r>
+            <a:r>
+              <a:rPr lang="ar-DZ" sz="3200" dirty="0" smtClean="0"/>
+              <a:t>:</a:t>
+            </a:r>
+            <a:endParaRPr lang="fr-FR" sz="3200" dirty="0" smtClean="0"/>
+          </a:p>
+          <a:p>
+            <a:pPr algn="r" rtl="1"/>
+            <a:endParaRPr lang="fr-FR" sz="3200" dirty="0"/>
+          </a:p>
+          <a:p>
+            <a:pPr algn="r" rtl="1"/>
+            <a:endParaRPr lang="fr-FR" sz="3200" dirty="0" smtClean="0"/>
+          </a:p>
+          <a:p>
+            <a:pPr algn="r" rtl="1"/>
+            <a:endParaRPr lang="fr-FR" sz="3200" dirty="0"/>
+          </a:p>
+          <a:p>
+            <a:pPr algn="r" rtl="1"/>
+            <a:endParaRPr lang="fr-FR" sz="3200" dirty="0" smtClean="0"/>
+          </a:p>
+          <a:p>
+            <a:pPr algn="r" rtl="1"/>
+            <a:endParaRPr lang="fr-FR" sz="3200" dirty="0"/>
+          </a:p>
+          <a:p>
+            <a:pPr algn="r" rtl="1"/>
+            <a:endParaRPr lang="fr-FR" sz="3200" dirty="0" smtClean="0"/>
+          </a:p>
+          <a:p>
+            <a:pPr algn="r" rtl="1"/>
+            <a:endParaRPr lang="fr-FR" sz="3200" dirty="0"/>
+          </a:p>
+          <a:p>
+            <a:pPr algn="r" rtl="1"/>
+            <a:r>
+              <a:rPr lang="ar-DZ" sz="3200" dirty="0" smtClean="0"/>
+              <a:t> </a:t>
+            </a:r>
+            <a:endParaRPr lang="ar-DZ" sz="3200" dirty="0"/>
+          </a:p>
+          <a:p>
+            <a:pPr marL="457200" indent="-457200" algn="r" rtl="1">
+              <a:buFont typeface="Wingdings" panose="05000000000000000000" pitchFamily="2" charset="2"/>
+              <a:buChar char="Ø"/>
+            </a:pPr>
+            <a:r>
+              <a:rPr lang="ar-DZ" sz="3200" dirty="0" smtClean="0"/>
+              <a:t>عند </a:t>
+            </a:r>
+            <a:r>
+              <a:rPr lang="ar-DZ" sz="3200" dirty="0"/>
+              <a:t>الضغط على العلم الأخضر هل يصدر القط الصوت ؟ متى إذن ؟ نستنتج هنالك .... </a:t>
+            </a:r>
+          </a:p>
+        </p:txBody>
+      </p:sp>
+      <p:pic>
+        <p:nvPicPr>
+          <p:cNvPr id="7" name="Image 6"/>
+          <p:cNvPicPr/>
+          <p:nvPr/>
+        </p:nvPicPr>
+        <p:blipFill>
+          <a:blip r:embed="rId3">
+            <a:extLst>
+              <a:ext uri="{28A0092B-C50C-407E-A947-70E740481C1C}">
+                <a14:useLocalDpi xmlns:a14="http://schemas.microsoft.com/office/drawing/2010/main" val="0"/>
+              </a:ext>
+            </a:extLst>
+          </a:blip>
+          <a:stretch>
+            <a:fillRect/>
+          </a:stretch>
+        </p:blipFill>
+        <p:spPr>
+          <a:xfrm>
+            <a:off x="2252868" y="1406348"/>
+            <a:ext cx="4028661" cy="4225826"/>
+          </a:xfrm>
+          <a:prstGeom prst="rect">
+            <a:avLst/>
+          </a:prstGeom>
+        </p:spPr>
+      </p:pic>
+      <p:sp>
+        <p:nvSpPr>
+          <p:cNvPr id="2" name="ZoneTexte 1"/>
+          <p:cNvSpPr txBox="1"/>
+          <p:nvPr/>
+        </p:nvSpPr>
+        <p:spPr>
+          <a:xfrm>
+            <a:off x="39758" y="6173401"/>
+            <a:ext cx="1219202" cy="584775"/>
+          </a:xfrm>
+          <a:prstGeom prst="rect">
+            <a:avLst/>
+          </a:prstGeom>
+          <a:noFill/>
+        </p:spPr>
+        <p:txBody>
+          <a:bodyPr wrap="square" rtlCol="0">
+            <a:spAutoFit/>
+          </a:bodyPr>
+          <a:lstStyle/>
+          <a:p>
+            <a:r>
+              <a:rPr lang="ar-DZ" sz="3200" dirty="0">
+                <a:solidFill>
+                  <a:srgbClr val="FF0000"/>
+                </a:solidFill>
+                <a:cs typeface="+mj-cs"/>
+              </a:rPr>
+              <a:t>(شرط) </a:t>
+            </a:r>
+          </a:p>
+        </p:txBody>
+      </p:sp>
     </p:spTree>
     <p:extLst>
       <p:ext uri="{BB962C8B-B14F-4D97-AF65-F5344CB8AC3E}">
-        <p14:creationId xmlns:p14="http://schemas.microsoft.com/office/powerpoint/2010/main" val="2209839172"/>
+        <p14:creationId xmlns:p14="http://schemas.microsoft.com/office/powerpoint/2010/main" val="3961522695"/>
       </p:ext>
     </p:extLst>
   </p:cSld>
@@ -4221,14 +5688,139 @@
   <p:timing>
     <p:tnLst>
       <p:par>
-        <p:cTn id="1" dur="indefinite" restart="never" nodeType="tmRoot"/>
+        <p:cTn id="1" dur="indefinite" restart="never" nodeType="tmRoot">
+          <p:childTnLst>
+            <p:seq concurrent="1" nextAc="seek">
+              <p:cTn id="2" dur="indefinite" nodeType="mainSeq">
+                <p:childTnLst>
+                  <p:par>
+                    <p:cTn id="3" fill="hold">
+                      <p:stCondLst>
+                        <p:cond delay="indefinite"/>
+                      </p:stCondLst>
+                      <p:childTnLst>
+                        <p:par>
+                          <p:cTn id="4" fill="hold">
+                            <p:stCondLst>
+                              <p:cond delay="0"/>
+                            </p:stCondLst>
+                            <p:childTnLst>
+                              <p:par>
+                                <p:cTn id="5" presetID="53" presetClass="entr" presetSubtype="16" fill="hold" grpId="0" nodeType="clickEffect">
+                                  <p:stCondLst>
+                                    <p:cond delay="0"/>
+                                  </p:stCondLst>
+                                  <p:childTnLst>
+                                    <p:set>
+                                      <p:cBhvr>
+                                        <p:cTn id="6" dur="1" fill="hold">
+                                          <p:stCondLst>
+                                            <p:cond delay="0"/>
+                                          </p:stCondLst>
+                                        </p:cTn>
+                                        <p:tgtEl>
+                                          <p:spTgt spid="2"/>
+                                        </p:tgtEl>
+                                        <p:attrNameLst>
+                                          <p:attrName>style.visibility</p:attrName>
+                                        </p:attrNameLst>
+                                      </p:cBhvr>
+                                      <p:to>
+                                        <p:strVal val="visible"/>
+                                      </p:to>
+                                    </p:set>
+                                    <p:anim calcmode="lin" valueType="num">
+                                      <p:cBhvr>
+                                        <p:cTn id="7" dur="500" fill="hold"/>
+                                        <p:tgtEl>
+                                          <p:spTgt spid="2"/>
+                                        </p:tgtEl>
+                                        <p:attrNameLst>
+                                          <p:attrName>ppt_w</p:attrName>
+                                        </p:attrNameLst>
+                                      </p:cBhvr>
+                                      <p:tavLst>
+                                        <p:tav tm="0">
+                                          <p:val>
+                                            <p:fltVal val="0"/>
+                                          </p:val>
+                                        </p:tav>
+                                        <p:tav tm="100000">
+                                          <p:val>
+                                            <p:strVal val="#ppt_w"/>
+                                          </p:val>
+                                        </p:tav>
+                                      </p:tavLst>
+                                    </p:anim>
+                                    <p:anim calcmode="lin" valueType="num">
+                                      <p:cBhvr>
+                                        <p:cTn id="8" dur="500" fill="hold"/>
+                                        <p:tgtEl>
+                                          <p:spTgt spid="2"/>
+                                        </p:tgtEl>
+                                        <p:attrNameLst>
+                                          <p:attrName>ppt_h</p:attrName>
+                                        </p:attrNameLst>
+                                      </p:cBhvr>
+                                      <p:tavLst>
+                                        <p:tav tm="0">
+                                          <p:val>
+                                            <p:fltVal val="0"/>
+                                          </p:val>
+                                        </p:tav>
+                                        <p:tav tm="100000">
+                                          <p:val>
+                                            <p:strVal val="#ppt_h"/>
+                                          </p:val>
+                                        </p:tav>
+                                      </p:tavLst>
+                                    </p:anim>
+                                    <p:animEffect transition="in" filter="fade">
+                                      <p:cBhvr>
+                                        <p:cTn id="9" dur="500"/>
+                                        <p:tgtEl>
+                                          <p:spTgt spid="2"/>
+                                        </p:tgtEl>
+                                      </p:cBhvr>
+                                    </p:animEffect>
+                                  </p:childTnLst>
+                                </p:cTn>
+                              </p:par>
+                            </p:childTnLst>
+                          </p:cTn>
+                        </p:par>
+                      </p:childTnLst>
+                    </p:cTn>
+                  </p:par>
+                </p:childTnLst>
+              </p:cTn>
+              <p:prevCondLst>
+                <p:cond evt="onPrev" delay="0">
+                  <p:tgtEl>
+                    <p:sldTgt/>
+                  </p:tgtEl>
+                </p:cond>
+              </p:prevCondLst>
+              <p:nextCondLst>
+                <p:cond evt="onNext" delay="0">
+                  <p:tgtEl>
+                    <p:sldTgt/>
+                  </p:tgtEl>
+                </p:cond>
+              </p:nextCondLst>
+            </p:seq>
+          </p:childTnLst>
+        </p:cTn>
       </p:par>
     </p:tnLst>
+    <p:bldLst>
+      <p:bldP spid="2" grpId="0"/>
+    </p:bldLst>
   </p:timing>
 </p:sld>
 </file>
 
-<file path=ppt/slides/slide3.xml><?xml version="1.0" encoding="utf-8"?>
+<file path=ppt/slides/slide6.xml><?xml version="1.0" encoding="utf-8"?>
 <p:sld xmlns:a="http://schemas.openxmlformats.org/drawingml/2006/main" xmlns:r="http://schemas.openxmlformats.org/officeDocument/2006/relationships" xmlns:p="http://schemas.openxmlformats.org/presentationml/2006/main">
   <p:cSld>
     <p:bg>
@@ -4261,8 +5853,8 @@
         </p:nvSpPr>
         <p:spPr>
           <a:xfrm>
-            <a:off x="0" y="188214"/>
-            <a:ext cx="11970469" cy="800219"/>
+            <a:off x="0" y="41322"/>
+            <a:ext cx="11970469" cy="755400"/>
           </a:xfrm>
           <a:prstGeom prst="rect">
             <a:avLst/>
@@ -4291,7 +5883,18 @@
                 <a:ea typeface="Times New Roman" panose="02020603050405020304" pitchFamily="18" charset="0"/>
                 <a:cs typeface="Times New Roman" panose="02020603050405020304" pitchFamily="18" charset="0"/>
               </a:rPr>
-              <a:t>نشاط :</a:t>
+              <a:t>نشاط 03 </a:t>
+            </a:r>
+            <a:r>
+              <a:rPr lang="ar-DZ" sz="4000" b="1" u="sng" dirty="0" smtClean="0">
+                <a:solidFill>
+                  <a:srgbClr val="FF0000"/>
+                </a:solidFill>
+                <a:latin typeface="Calibri" panose="020F0502020204030204" pitchFamily="34" charset="0"/>
+                <a:ea typeface="Times New Roman" panose="02020603050405020304" pitchFamily="18" charset="0"/>
+                <a:cs typeface="Times New Roman" panose="02020603050405020304" pitchFamily="18" charset="0"/>
+              </a:rPr>
+              <a:t>:</a:t>
             </a:r>
             <a:endParaRPr lang="fr-FR" sz="3200" b="1" dirty="0">
               <a:effectLst/>
@@ -4302,182 +5905,576 @@
           </a:p>
         </p:txBody>
       </p:sp>
-      <mc:AlternateContent xmlns:mc="http://schemas.openxmlformats.org/markup-compatibility/2006">
-        <mc:Choice xmlns:a14="http://schemas.microsoft.com/office/drawing/2010/main" Requires="a14">
-          <p:sp>
-            <p:nvSpPr>
-              <p:cNvPr id="8" name="Rectangle 7"/>
-              <p:cNvSpPr/>
-              <p:nvPr/>
-            </p:nvSpPr>
-            <p:spPr>
-              <a:xfrm>
-                <a:off x="117391" y="1470664"/>
-                <a:ext cx="11966713" cy="3744423"/>
-              </a:xfrm>
-              <a:prstGeom prst="rect">
-                <a:avLst/>
-              </a:prstGeom>
-            </p:spPr>
-            <p:txBody>
-              <a:bodyPr wrap="square">
-                <a:spAutoFit/>
-              </a:bodyPr>
-              <a:lstStyle/>
-              <a:p>
-                <a:pPr marL="457200" lvl="0" indent="-457200" algn="r" rtl="1">
-                  <a:buFont typeface="Wingdings" panose="05000000000000000000" pitchFamily="2" charset="2"/>
-                  <a:buChar char="Ø"/>
-                </a:pPr>
-                <a:r>
-                  <a:rPr lang="ar-DZ" sz="3200" dirty="0"/>
-                  <a:t>برأيك، كيف نسمّي رمز باللغة الفرنسية ؟ </a:t>
-                </a:r>
-                <a:endParaRPr lang="fr-FR" sz="3200" dirty="0"/>
-              </a:p>
-              <a:p>
-                <a:pPr marL="457200" indent="-457200" algn="r" rtl="1">
-                  <a:buFont typeface="Wingdings" panose="05000000000000000000" pitchFamily="2" charset="2"/>
-                  <a:buChar char="Ø"/>
-                </a:pPr>
-                <a:r>
-                  <a:rPr lang="ar-DZ" sz="3200" dirty="0"/>
-                  <a:t>لنتوجه إلى الحاسوب ونحاول إدراج بعض هذه الرموز </a:t>
-                </a:r>
-                <a:r>
-                  <a:rPr lang="ar-DZ" sz="3200" dirty="0" smtClean="0"/>
-                  <a:t>؟</a:t>
-                </a:r>
-                <a:endParaRPr lang="fr-FR" sz="3200" dirty="0" smtClean="0"/>
-              </a:p>
-              <a:p>
-                <a:pPr marL="457200" indent="-457200" algn="r" rtl="1">
-                  <a:buFont typeface="Wingdings" panose="05000000000000000000" pitchFamily="2" charset="2"/>
-                  <a:buChar char="Ø"/>
-                </a:pPr>
-                <a:endParaRPr lang="fr-FR" sz="3200" dirty="0"/>
-              </a:p>
-              <a:p>
-                <a:pPr marL="457200" lvl="0" indent="-457200" algn="r" rtl="1">
-                  <a:buFont typeface="Wingdings" panose="05000000000000000000" pitchFamily="2" charset="2"/>
-                  <a:buChar char="Ø"/>
-                </a:pPr>
-                <a:r>
-                  <a:rPr lang="ar-DZ" sz="3200" dirty="0"/>
-                  <a:t>لنحاول إدراج هذا الكسر : </a:t>
-                </a:r>
-                <a14:m>
-                  <m:oMath xmlns:m="http://schemas.openxmlformats.org/officeDocument/2006/math">
-                    <m:f>
-                      <m:fPr>
-                        <m:ctrlPr>
-                          <a:rPr lang="fr-FR" sz="3200" i="1"/>
-                        </m:ctrlPr>
-                      </m:fPr>
-                      <m:num>
-                        <m:r>
-                          <a:rPr lang="fr-FR" sz="3200"/>
-                          <m:t>4</m:t>
-                        </m:r>
-                      </m:num>
-                      <m:den>
-                        <m:r>
-                          <a:rPr lang="fr-FR" sz="3200"/>
-                          <m:t>10</m:t>
-                        </m:r>
-                      </m:den>
-                    </m:f>
-                  </m:oMath>
-                </a14:m>
-                <a:endParaRPr lang="fr-FR" sz="3200" dirty="0"/>
-              </a:p>
-              <a:p>
-                <a:pPr marL="457200" lvl="0" indent="-457200" algn="r" rtl="1">
-                  <a:buFont typeface="Wingdings" panose="05000000000000000000" pitchFamily="2" charset="2"/>
-                  <a:buChar char="Ø"/>
-                </a:pPr>
-                <a:r>
-                  <a:rPr lang="ar-DZ" sz="3200" dirty="0"/>
-                  <a:t>ما التعليمة التي تسمح لنا بإدراج عبارة رياضية ؟ </a:t>
-                </a:r>
-                <a:endParaRPr lang="fr-FR" sz="3200" dirty="0"/>
-              </a:p>
-              <a:p>
-                <a:pPr marL="457200" lvl="0" indent="-457200" algn="r" rtl="1">
-                  <a:buFont typeface="Wingdings" panose="05000000000000000000" pitchFamily="2" charset="2"/>
-                  <a:buChar char="Ø"/>
-                </a:pPr>
-                <a:r>
-                  <a:rPr lang="ar-DZ" sz="3200" dirty="0"/>
-                  <a:t>ماذا تلاحظ عند الضغط على التعليمة </a:t>
-                </a:r>
-                <a:r>
-                  <a:rPr lang="fr-FR" sz="3200" dirty="0"/>
-                  <a:t>Equation</a:t>
-                </a:r>
-                <a:r>
-                  <a:rPr lang="ar-DZ" sz="3200" dirty="0"/>
-                  <a:t> ؟</a:t>
-                </a:r>
-                <a:endParaRPr lang="fr-FR" sz="3200" dirty="0"/>
-              </a:p>
-              <a:p>
-                <a:pPr marL="457200" indent="-457200" algn="r" rtl="1">
-                  <a:buFont typeface="Wingdings" panose="05000000000000000000" pitchFamily="2" charset="2"/>
-                  <a:buChar char="Ø"/>
-                </a:pPr>
-                <a:r>
-                  <a:rPr lang="ar-DZ" sz="3200" dirty="0"/>
-                  <a:t>لنبحث فيه عن كيفية إضافة كسر</a:t>
-                </a:r>
-                <a:endParaRPr lang="ar-DZ" sz="3200" dirty="0"/>
-              </a:p>
-            </p:txBody>
-          </p:sp>
-        </mc:Choice>
-        <mc:Fallback>
-          <p:sp>
-            <p:nvSpPr>
-              <p:cNvPr id="8" name="Rectangle 7"/>
-              <p:cNvSpPr>
-                <a:spLocks noRot="1" noChangeAspect="1" noMove="1" noResize="1" noEditPoints="1" noAdjustHandles="1" noChangeArrowheads="1" noChangeShapeType="1" noTextEdit="1"/>
-              </p:cNvSpPr>
-              <p:nvPr/>
-            </p:nvSpPr>
-            <p:spPr>
-              <a:xfrm>
-                <a:off x="117391" y="1470664"/>
-                <a:ext cx="11966713" cy="3744423"/>
-              </a:xfrm>
-              <a:prstGeom prst="rect">
-                <a:avLst/>
-              </a:prstGeom>
-              <a:blipFill rotWithShape="0">
-                <a:blip r:embed="rId3"/>
-                <a:stretch>
-                  <a:fillRect t="-2443" r="-1223" b="-4397"/>
-                </a:stretch>
-              </a:blipFill>
-            </p:spPr>
-            <p:txBody>
-              <a:bodyPr/>
-              <a:lstStyle/>
-              <a:p>
-                <a:r>
-                  <a:rPr lang="fr-FR">
-                    <a:noFill/>
-                  </a:rPr>
-                  <a:t> </a:t>
-                </a:r>
-              </a:p>
-            </p:txBody>
-          </p:sp>
-        </mc:Fallback>
-      </mc:AlternateContent>
+      <p:sp>
+        <p:nvSpPr>
+          <p:cNvPr id="8" name="Rectangle 7"/>
+          <p:cNvSpPr/>
+          <p:nvPr/>
+        </p:nvSpPr>
+        <p:spPr>
+          <a:xfrm>
+            <a:off x="-1944313" y="260351"/>
+            <a:ext cx="11966713" cy="523220"/>
+          </a:xfrm>
+          <a:prstGeom prst="rect">
+            <a:avLst/>
+          </a:prstGeom>
+        </p:spPr>
+        <p:txBody>
+          <a:bodyPr wrap="square">
+            <a:spAutoFit/>
+          </a:bodyPr>
+          <a:lstStyle/>
+          <a:p>
+            <a:pPr algn="r" rtl="1"/>
+            <a:r>
+              <a:rPr lang="ar-DZ" sz="2800" dirty="0"/>
+              <a:t>اعتمادا على المقاطع البرمجية السابقة، لنصنف اللبنات التالية حسب الجدول التالي :</a:t>
+            </a:r>
+          </a:p>
+        </p:txBody>
+      </p:sp>
+      <p:grpSp>
+        <p:nvGrpSpPr>
+          <p:cNvPr id="6" name="Groupe 5"/>
+          <p:cNvGrpSpPr/>
+          <p:nvPr/>
+        </p:nvGrpSpPr>
+        <p:grpSpPr>
+          <a:xfrm>
+            <a:off x="2703443" y="796722"/>
+            <a:ext cx="6881635" cy="4213597"/>
+            <a:chOff x="0" y="0"/>
+            <a:chExt cx="4972050" cy="2695575"/>
+          </a:xfrm>
+        </p:grpSpPr>
+        <p:pic>
+          <p:nvPicPr>
+            <p:cNvPr id="9" name="Image 8"/>
+            <p:cNvPicPr>
+              <a:picLocks noChangeAspect="1"/>
+            </p:cNvPicPr>
+            <p:nvPr/>
+          </p:nvPicPr>
+          <p:blipFill>
+            <a:blip r:embed="rId3">
+              <a:extLst>
+                <a:ext uri="{28A0092B-C50C-407E-A947-70E740481C1C}">
+                  <a14:useLocalDpi xmlns:a14="http://schemas.microsoft.com/office/drawing/2010/main" val="0"/>
+                </a:ext>
+              </a:extLst>
+            </a:blip>
+            <a:stretch>
+              <a:fillRect/>
+            </a:stretch>
+          </p:blipFill>
+          <p:spPr>
+            <a:xfrm>
+              <a:off x="0" y="0"/>
+              <a:ext cx="4972050" cy="2695575"/>
+            </a:xfrm>
+            <a:prstGeom prst="rect">
+              <a:avLst/>
+            </a:prstGeom>
+            <a:ln>
+              <a:solidFill>
+                <a:schemeClr val="accent1"/>
+              </a:solidFill>
+            </a:ln>
+          </p:spPr>
+        </p:pic>
+        <p:pic>
+          <p:nvPicPr>
+            <p:cNvPr id="10" name="Image 9"/>
+            <p:cNvPicPr>
+              <a:picLocks noChangeAspect="1"/>
+            </p:cNvPicPr>
+            <p:nvPr/>
+          </p:nvPicPr>
+          <p:blipFill>
+            <a:blip r:embed="rId4">
+              <a:extLst>
+                <a:ext uri="{28A0092B-C50C-407E-A947-70E740481C1C}">
+                  <a14:useLocalDpi xmlns:a14="http://schemas.microsoft.com/office/drawing/2010/main" val="0"/>
+                </a:ext>
+              </a:extLst>
+            </a:blip>
+            <a:stretch>
+              <a:fillRect/>
+            </a:stretch>
+          </p:blipFill>
+          <p:spPr>
+            <a:xfrm>
+              <a:off x="3430828" y="1185062"/>
+              <a:ext cx="1492250" cy="731520"/>
+            </a:xfrm>
+            <a:prstGeom prst="rect">
+              <a:avLst/>
+            </a:prstGeom>
+          </p:spPr>
+        </p:pic>
+      </p:grpSp>
+      <p:graphicFrame>
+        <p:nvGraphicFramePr>
+          <p:cNvPr id="3" name="Tableau 2"/>
+          <p:cNvGraphicFramePr>
+            <a:graphicFrameLocks noGrp="1"/>
+          </p:cNvGraphicFramePr>
+          <p:nvPr>
+            <p:extLst>
+              <p:ext uri="{D42A27DB-BD31-4B8C-83A1-F6EECF244321}">
+                <p14:modId xmlns:p14="http://schemas.microsoft.com/office/powerpoint/2010/main" val="3909879464"/>
+              </p:ext>
+            </p:extLst>
+          </p:nvPr>
+        </p:nvGraphicFramePr>
+        <p:xfrm>
+          <a:off x="225286" y="5155893"/>
+          <a:ext cx="11745183" cy="1191898"/>
+        </p:xfrm>
+        <a:graphic>
+          <a:graphicData uri="http://schemas.openxmlformats.org/drawingml/2006/table">
+            <a:tbl>
+              <a:tblPr rtl="1" firstRow="1" firstCol="1" bandRow="1">
+                <a:tableStyleId>{5C22544A-7EE6-4342-B048-85BDC9FD1C3A}</a:tableStyleId>
+              </a:tblPr>
+              <a:tblGrid>
+                <a:gridCol w="2892729"/>
+                <a:gridCol w="1670287"/>
+                <a:gridCol w="2112314"/>
+                <a:gridCol w="3210957"/>
+                <a:gridCol w="1858896"/>
+              </a:tblGrid>
+              <a:tr h="722183">
+                <a:tc>
+                  <a:txBody>
+                    <a:bodyPr/>
+                    <a:lstStyle/>
+                    <a:p>
+                      <a:pPr algn="ctr" rtl="1">
+                        <a:lnSpc>
+                          <a:spcPct val="150000"/>
+                        </a:lnSpc>
+                        <a:spcAft>
+                          <a:spcPts val="0"/>
+                        </a:spcAft>
+                      </a:pPr>
+                      <a:r>
+                        <a:rPr lang="ar-DZ" sz="2400" dirty="0" smtClean="0">
+                          <a:solidFill>
+                            <a:srgbClr val="FFFF00"/>
+                          </a:solidFill>
+                          <a:effectLst/>
+                        </a:rPr>
+                        <a:t>لبنات </a:t>
+                      </a:r>
+                      <a:r>
+                        <a:rPr lang="ar-DZ" sz="2400" dirty="0">
+                          <a:solidFill>
+                            <a:srgbClr val="FFFF00"/>
+                          </a:solidFill>
+                          <a:effectLst/>
+                        </a:rPr>
+                        <a:t>بداية المقطع البرمجي</a:t>
+                      </a:r>
+                      <a:endParaRPr lang="fr-FR" sz="1800" dirty="0">
+                        <a:solidFill>
+                          <a:srgbClr val="FFFF00"/>
+                        </a:solidFill>
+                        <a:effectLst/>
+                        <a:latin typeface="Calibri" panose="020F0502020204030204" pitchFamily="34" charset="0"/>
+                        <a:ea typeface="Calibri" panose="020F0502020204030204" pitchFamily="34" charset="0"/>
+                        <a:cs typeface="Arial" panose="020B0604020202020204" pitchFamily="34" charset="0"/>
+                      </a:endParaRPr>
+                    </a:p>
+                  </a:txBody>
+                  <a:tcPr marL="68580" marR="68580" marT="0" marB="0"/>
+                </a:tc>
+                <a:tc>
+                  <a:txBody>
+                    <a:bodyPr/>
+                    <a:lstStyle/>
+                    <a:p>
+                      <a:pPr algn="ctr" rtl="1">
+                        <a:lnSpc>
+                          <a:spcPct val="107000"/>
+                        </a:lnSpc>
+                        <a:spcAft>
+                          <a:spcPts val="0"/>
+                        </a:spcAft>
+                      </a:pPr>
+                      <a:r>
+                        <a:rPr lang="ar-DZ" sz="2400" dirty="0">
+                          <a:solidFill>
+                            <a:srgbClr val="FFFF00"/>
+                          </a:solidFill>
+                          <a:effectLst/>
+                        </a:rPr>
+                        <a:t>لبنة </a:t>
+                      </a:r>
+                      <a:r>
+                        <a:rPr lang="ar-DZ" sz="2400" dirty="0" err="1">
+                          <a:solidFill>
+                            <a:srgbClr val="FFFF00"/>
+                          </a:solidFill>
+                          <a:effectLst/>
+                        </a:rPr>
+                        <a:t>الإنتظار</a:t>
+                      </a:r>
+                      <a:endParaRPr lang="fr-FR" sz="1800" dirty="0">
+                        <a:solidFill>
+                          <a:srgbClr val="FFFF00"/>
+                        </a:solidFill>
+                        <a:effectLst/>
+                        <a:latin typeface="Calibri" panose="020F0502020204030204" pitchFamily="34" charset="0"/>
+                        <a:ea typeface="Calibri" panose="020F0502020204030204" pitchFamily="34" charset="0"/>
+                        <a:cs typeface="Arial" panose="020B0604020202020204" pitchFamily="34" charset="0"/>
+                      </a:endParaRPr>
+                    </a:p>
+                  </a:txBody>
+                  <a:tcPr marL="68580" marR="68580" marT="0" marB="0" anchor="ctr"/>
+                </a:tc>
+                <a:tc>
+                  <a:txBody>
+                    <a:bodyPr/>
+                    <a:lstStyle/>
+                    <a:p>
+                      <a:pPr algn="ctr" rtl="1">
+                        <a:lnSpc>
+                          <a:spcPct val="107000"/>
+                        </a:lnSpc>
+                        <a:spcAft>
+                          <a:spcPts val="0"/>
+                        </a:spcAft>
+                      </a:pPr>
+                      <a:r>
+                        <a:rPr lang="ar-DZ" sz="2400">
+                          <a:solidFill>
+                            <a:srgbClr val="FFFF00"/>
+                          </a:solidFill>
+                          <a:effectLst/>
+                        </a:rPr>
+                        <a:t>لبنات التكرار</a:t>
+                      </a:r>
+                      <a:endParaRPr lang="fr-FR" sz="1800">
+                        <a:solidFill>
+                          <a:srgbClr val="FFFF00"/>
+                        </a:solidFill>
+                        <a:effectLst/>
+                        <a:latin typeface="Calibri" panose="020F0502020204030204" pitchFamily="34" charset="0"/>
+                        <a:ea typeface="Calibri" panose="020F0502020204030204" pitchFamily="34" charset="0"/>
+                        <a:cs typeface="Arial" panose="020B0604020202020204" pitchFamily="34" charset="0"/>
+                      </a:endParaRPr>
+                    </a:p>
+                  </a:txBody>
+                  <a:tcPr marL="68580" marR="68580" marT="0" marB="0" anchor="ctr"/>
+                </a:tc>
+                <a:tc>
+                  <a:txBody>
+                    <a:bodyPr/>
+                    <a:lstStyle/>
+                    <a:p>
+                      <a:pPr algn="ctr" rtl="1">
+                        <a:lnSpc>
+                          <a:spcPct val="107000"/>
+                        </a:lnSpc>
+                        <a:spcAft>
+                          <a:spcPts val="0"/>
+                        </a:spcAft>
+                      </a:pPr>
+                      <a:r>
+                        <a:rPr lang="ar-DZ" sz="2400">
+                          <a:solidFill>
+                            <a:srgbClr val="FFFF00"/>
+                          </a:solidFill>
+                          <a:effectLst/>
+                        </a:rPr>
+                        <a:t>لبنات التحقق الشرطي</a:t>
+                      </a:r>
+                      <a:endParaRPr lang="fr-FR" sz="1800">
+                        <a:solidFill>
+                          <a:srgbClr val="FFFF00"/>
+                        </a:solidFill>
+                        <a:effectLst/>
+                        <a:latin typeface="Calibri" panose="020F0502020204030204" pitchFamily="34" charset="0"/>
+                        <a:ea typeface="Calibri" panose="020F0502020204030204" pitchFamily="34" charset="0"/>
+                        <a:cs typeface="Arial" panose="020B0604020202020204" pitchFamily="34" charset="0"/>
+                      </a:endParaRPr>
+                    </a:p>
+                  </a:txBody>
+                  <a:tcPr marL="68580" marR="68580" marT="0" marB="0" anchor="ctr"/>
+                </a:tc>
+                <a:tc>
+                  <a:txBody>
+                    <a:bodyPr/>
+                    <a:lstStyle/>
+                    <a:p>
+                      <a:pPr algn="ctr" rtl="1">
+                        <a:lnSpc>
+                          <a:spcPct val="107000"/>
+                        </a:lnSpc>
+                        <a:spcAft>
+                          <a:spcPts val="0"/>
+                        </a:spcAft>
+                      </a:pPr>
+                      <a:r>
+                        <a:rPr lang="ar-DZ" sz="2400" dirty="0">
+                          <a:solidFill>
+                            <a:srgbClr val="FFFF00"/>
+                          </a:solidFill>
+                          <a:effectLst/>
+                        </a:rPr>
+                        <a:t>لبنة الإيقاف</a:t>
+                      </a:r>
+                      <a:endParaRPr lang="fr-FR" sz="1800" dirty="0">
+                        <a:solidFill>
+                          <a:srgbClr val="FFFF00"/>
+                        </a:solidFill>
+                        <a:effectLst/>
+                        <a:latin typeface="Calibri" panose="020F0502020204030204" pitchFamily="34" charset="0"/>
+                        <a:ea typeface="Calibri" panose="020F0502020204030204" pitchFamily="34" charset="0"/>
+                        <a:cs typeface="Arial" panose="020B0604020202020204" pitchFamily="34" charset="0"/>
+                      </a:endParaRPr>
+                    </a:p>
+                  </a:txBody>
+                  <a:tcPr marL="68580" marR="68580" marT="0" marB="0" anchor="ctr"/>
+                </a:tc>
+              </a:tr>
+              <a:tr h="469715">
+                <a:tc>
+                  <a:txBody>
+                    <a:bodyPr/>
+                    <a:lstStyle/>
+                    <a:p>
+                      <a:pPr algn="r" rtl="1">
+                        <a:lnSpc>
+                          <a:spcPct val="107000"/>
+                        </a:lnSpc>
+                        <a:spcAft>
+                          <a:spcPts val="0"/>
+                        </a:spcAft>
+                      </a:pPr>
+                      <a:r>
+                        <a:rPr lang="ar-DZ" sz="1400" dirty="0">
+                          <a:solidFill>
+                            <a:schemeClr val="tx1"/>
+                          </a:solidFill>
+                          <a:effectLst/>
+                        </a:rPr>
+                        <a:t> </a:t>
+                      </a:r>
+                      <a:endParaRPr lang="fr-FR" sz="1100" dirty="0">
+                        <a:solidFill>
+                          <a:schemeClr val="tx1"/>
+                        </a:solidFill>
+                        <a:effectLst/>
+                        <a:latin typeface="Calibri" panose="020F0502020204030204" pitchFamily="34" charset="0"/>
+                        <a:ea typeface="Calibri" panose="020F0502020204030204" pitchFamily="34" charset="0"/>
+                        <a:cs typeface="Arial" panose="020B0604020202020204" pitchFamily="34" charset="0"/>
+                      </a:endParaRPr>
+                    </a:p>
+                  </a:txBody>
+                  <a:tcPr marL="68580" marR="68580" marT="0" marB="0">
+                    <a:solidFill>
+                      <a:schemeClr val="tx2">
+                        <a:lumMod val="20000"/>
+                        <a:lumOff val="80000"/>
+                      </a:schemeClr>
+                    </a:solidFill>
+                  </a:tcPr>
+                </a:tc>
+                <a:tc>
+                  <a:txBody>
+                    <a:bodyPr/>
+                    <a:lstStyle/>
+                    <a:p>
+                      <a:pPr algn="r" rtl="1">
+                        <a:lnSpc>
+                          <a:spcPct val="107000"/>
+                        </a:lnSpc>
+                        <a:spcAft>
+                          <a:spcPts val="0"/>
+                        </a:spcAft>
+                      </a:pPr>
+                      <a:r>
+                        <a:rPr lang="ar-DZ" sz="1400">
+                          <a:solidFill>
+                            <a:schemeClr val="tx1"/>
+                          </a:solidFill>
+                          <a:effectLst/>
+                        </a:rPr>
+                        <a:t> </a:t>
+                      </a:r>
+                      <a:endParaRPr lang="fr-FR" sz="1100">
+                        <a:solidFill>
+                          <a:schemeClr val="tx1"/>
+                        </a:solidFill>
+                        <a:effectLst/>
+                        <a:latin typeface="Calibri" panose="020F0502020204030204" pitchFamily="34" charset="0"/>
+                        <a:ea typeface="Calibri" panose="020F0502020204030204" pitchFamily="34" charset="0"/>
+                        <a:cs typeface="Arial" panose="020B0604020202020204" pitchFamily="34" charset="0"/>
+                      </a:endParaRPr>
+                    </a:p>
+                  </a:txBody>
+                  <a:tcPr marL="68580" marR="68580" marT="0" marB="0"/>
+                </a:tc>
+                <a:tc>
+                  <a:txBody>
+                    <a:bodyPr/>
+                    <a:lstStyle/>
+                    <a:p>
+                      <a:pPr algn="r" rtl="1">
+                        <a:lnSpc>
+                          <a:spcPct val="107000"/>
+                        </a:lnSpc>
+                        <a:spcAft>
+                          <a:spcPts val="0"/>
+                        </a:spcAft>
+                      </a:pPr>
+                      <a:r>
+                        <a:rPr lang="ar-DZ" sz="1400">
+                          <a:solidFill>
+                            <a:schemeClr val="tx1"/>
+                          </a:solidFill>
+                          <a:effectLst/>
+                        </a:rPr>
+                        <a:t> </a:t>
+                      </a:r>
+                      <a:endParaRPr lang="fr-FR" sz="1100">
+                        <a:solidFill>
+                          <a:schemeClr val="tx1"/>
+                        </a:solidFill>
+                        <a:effectLst/>
+                        <a:latin typeface="Calibri" panose="020F0502020204030204" pitchFamily="34" charset="0"/>
+                        <a:ea typeface="Calibri" panose="020F0502020204030204" pitchFamily="34" charset="0"/>
+                        <a:cs typeface="Arial" panose="020B0604020202020204" pitchFamily="34" charset="0"/>
+                      </a:endParaRPr>
+                    </a:p>
+                  </a:txBody>
+                  <a:tcPr marL="68580" marR="68580" marT="0" marB="0"/>
+                </a:tc>
+                <a:tc>
+                  <a:txBody>
+                    <a:bodyPr/>
+                    <a:lstStyle/>
+                    <a:p>
+                      <a:pPr algn="r" rtl="1">
+                        <a:lnSpc>
+                          <a:spcPct val="107000"/>
+                        </a:lnSpc>
+                        <a:spcAft>
+                          <a:spcPts val="0"/>
+                        </a:spcAft>
+                      </a:pPr>
+                      <a:r>
+                        <a:rPr lang="ar-DZ" sz="1400">
+                          <a:solidFill>
+                            <a:schemeClr val="tx1"/>
+                          </a:solidFill>
+                          <a:effectLst/>
+                        </a:rPr>
+                        <a:t> </a:t>
+                      </a:r>
+                      <a:endParaRPr lang="fr-FR" sz="1100">
+                        <a:solidFill>
+                          <a:schemeClr val="tx1"/>
+                        </a:solidFill>
+                        <a:effectLst/>
+                        <a:latin typeface="Calibri" panose="020F0502020204030204" pitchFamily="34" charset="0"/>
+                        <a:ea typeface="Calibri" panose="020F0502020204030204" pitchFamily="34" charset="0"/>
+                        <a:cs typeface="Arial" panose="020B0604020202020204" pitchFamily="34" charset="0"/>
+                      </a:endParaRPr>
+                    </a:p>
+                  </a:txBody>
+                  <a:tcPr marL="68580" marR="68580" marT="0" marB="0"/>
+                </a:tc>
+                <a:tc>
+                  <a:txBody>
+                    <a:bodyPr/>
+                    <a:lstStyle/>
+                    <a:p>
+                      <a:pPr algn="r" rtl="1">
+                        <a:lnSpc>
+                          <a:spcPct val="107000"/>
+                        </a:lnSpc>
+                        <a:spcAft>
+                          <a:spcPts val="0"/>
+                        </a:spcAft>
+                      </a:pPr>
+                      <a:r>
+                        <a:rPr lang="ar-DZ" sz="1400" dirty="0">
+                          <a:solidFill>
+                            <a:schemeClr val="tx1"/>
+                          </a:solidFill>
+                          <a:effectLst/>
+                        </a:rPr>
+                        <a:t> </a:t>
+                      </a:r>
+                      <a:endParaRPr lang="fr-FR" sz="1100" dirty="0">
+                        <a:solidFill>
+                          <a:schemeClr val="tx1"/>
+                        </a:solidFill>
+                        <a:effectLst/>
+                        <a:latin typeface="Calibri" panose="020F0502020204030204" pitchFamily="34" charset="0"/>
+                        <a:ea typeface="Calibri" panose="020F0502020204030204" pitchFamily="34" charset="0"/>
+                        <a:cs typeface="Arial" panose="020B0604020202020204" pitchFamily="34" charset="0"/>
+                      </a:endParaRPr>
+                    </a:p>
+                  </a:txBody>
+                  <a:tcPr marL="68580" marR="68580" marT="0" marB="0"/>
+                </a:tc>
+              </a:tr>
+            </a:tbl>
+          </a:graphicData>
+        </a:graphic>
+      </p:graphicFrame>
+      <p:sp>
+        <p:nvSpPr>
+          <p:cNvPr id="11" name="Rectangle 10"/>
+          <p:cNvSpPr/>
+          <p:nvPr/>
+        </p:nvSpPr>
+        <p:spPr>
+          <a:xfrm>
+            <a:off x="9503126" y="6327406"/>
+            <a:ext cx="2467343" cy="530594"/>
+          </a:xfrm>
+          <a:prstGeom prst="rect">
+            <a:avLst/>
+          </a:prstGeom>
+        </p:spPr>
+        <p:txBody>
+          <a:bodyPr wrap="none">
+            <a:spAutoFit/>
+          </a:bodyPr>
+          <a:lstStyle/>
+          <a:p>
+            <a:pPr algn="r" rtl="1">
+              <a:lnSpc>
+                <a:spcPct val="107000"/>
+              </a:lnSpc>
+              <a:spcAft>
+                <a:spcPts val="800"/>
+              </a:spcAft>
+            </a:pPr>
+            <a:r>
+              <a:rPr lang="ar-DZ" sz="2800" dirty="0">
+                <a:cs typeface="+mj-cs"/>
+              </a:rPr>
+              <a:t>ما دور هذه اللبنات ؟</a:t>
+            </a:r>
+            <a:endParaRPr lang="fr-FR" sz="2000" dirty="0">
+              <a:latin typeface="Calibri" panose="020F0502020204030204" pitchFamily="34" charset="0"/>
+              <a:ea typeface="Calibri" panose="020F0502020204030204" pitchFamily="34" charset="0"/>
+              <a:cs typeface="+mj-cs"/>
+            </a:endParaRPr>
+          </a:p>
+        </p:txBody>
+      </p:sp>
     </p:spTree>
     <p:extLst>
       <p:ext uri="{BB962C8B-B14F-4D97-AF65-F5344CB8AC3E}">
-        <p14:creationId xmlns:p14="http://schemas.microsoft.com/office/powerpoint/2010/main" val="3692245190"/>
+        <p14:creationId xmlns:p14="http://schemas.microsoft.com/office/powerpoint/2010/main" val="1236536589"/>
       </p:ext>
     </p:extLst>
   </p:cSld>
@@ -4497,7 +6494,7 @@
 </p:sld>
 </file>
 
-<file path=ppt/slides/slide4.xml><?xml version="1.0" encoding="utf-8"?>
+<file path=ppt/slides/slide7.xml><?xml version="1.0" encoding="utf-8"?>
 <p:sld xmlns:a="http://schemas.openxmlformats.org/drawingml/2006/main" xmlns:r="http://schemas.openxmlformats.org/officeDocument/2006/relationships" xmlns:p="http://schemas.openxmlformats.org/presentationml/2006/main">
   <p:cSld>
     <p:bg>
@@ -4543,7 +6540,7 @@
         <p:spPr>
           <a:xfrm>
             <a:off x="86536" y="255756"/>
-            <a:ext cx="11780804" cy="5940088"/>
+            <a:ext cx="11780804" cy="3457357"/>
           </a:xfrm>
           <a:prstGeom prst="rect">
             <a:avLst/>
@@ -4566,7 +6563,7 @@
                   <a:srgbClr val="FF0000"/>
                 </a:solidFill>
               </a:rPr>
-              <a:t>1- إدراج </a:t>
+              <a:t>1- </a:t>
             </a:r>
             <a:r>
               <a:rPr lang="ar-DZ" sz="3200" b="1" u="sng" dirty="0" smtClean="0">
@@ -4574,15 +6571,15 @@
                   <a:srgbClr val="FF0000"/>
                 </a:solidFill>
               </a:rPr>
-              <a:t>الرموز </a:t>
-            </a:r>
-            <a:r>
-              <a:rPr lang="fr-FR" sz="3200" b="1" u="sng" dirty="0" smtClean="0">
+              <a:t>خاصية التحكم في </a:t>
+            </a:r>
+            <a:r>
+              <a:rPr lang="ar-DZ" sz="3200" b="1" u="sng" dirty="0" err="1" smtClean="0">
                 <a:solidFill>
                   <a:srgbClr val="FF0000"/>
                 </a:solidFill>
               </a:rPr>
-              <a:t>Symboles</a:t>
+              <a:t>سكراتش</a:t>
             </a:r>
             <a:r>
               <a:rPr lang="ar-DZ" sz="3200" b="1" u="sng" dirty="0" smtClean="0">
@@ -4590,139 +6587,21 @@
                   <a:srgbClr val="FF0000"/>
                 </a:solidFill>
               </a:rPr>
-              <a:t> :</a:t>
+              <a:t> </a:t>
+            </a:r>
+            <a:r>
+              <a:rPr lang="ar-DZ" sz="3200" b="1" u="sng" dirty="0" smtClean="0">
+                <a:solidFill>
+                  <a:srgbClr val="FF0000"/>
+                </a:solidFill>
+              </a:rPr>
+              <a:t>:</a:t>
             </a:r>
             <a:endParaRPr lang="fr-FR" sz="3200" b="1" dirty="0">
               <a:solidFill>
                 <a:srgbClr val="FF0000"/>
               </a:solidFill>
             </a:endParaRPr>
-          </a:p>
-          <a:p>
-            <a:pPr marL="457200" indent="-457200" algn="r" rtl="1">
-              <a:spcAft>
-                <a:spcPts val="800"/>
-              </a:spcAft>
-              <a:buFont typeface="Arial" panose="020B0604020202020204" pitchFamily="34" charset="0"/>
-              <a:buChar char="•"/>
-            </a:pPr>
-            <a:r>
-              <a:rPr lang="ar-DZ" sz="3200" dirty="0" smtClean="0"/>
-              <a:t>ت</a:t>
-            </a:r>
-            <a:r>
-              <a:rPr lang="ar-SA" sz="3200" dirty="0"/>
-              <a:t>بويب الإدراج</a:t>
-            </a:r>
-            <a:r>
-              <a:rPr lang="ar-DZ" sz="3200" dirty="0"/>
-              <a:t> (</a:t>
-            </a:r>
-            <a:r>
-              <a:rPr lang="fr-FR" sz="3200" dirty="0"/>
-              <a:t>Insertion</a:t>
-            </a:r>
-            <a:r>
-              <a:rPr lang="ar-DZ" sz="3200" dirty="0"/>
-              <a:t>)</a:t>
-            </a:r>
-            <a:endParaRPr lang="fr-FR" sz="3200" dirty="0"/>
-          </a:p>
-          <a:p>
-            <a:pPr marL="457200" indent="-457200" algn="r" rtl="1">
-              <a:spcAft>
-                <a:spcPts val="800"/>
-              </a:spcAft>
-              <a:buFont typeface="Arial" panose="020B0604020202020204" pitchFamily="34" charset="0"/>
-              <a:buChar char="•"/>
-            </a:pPr>
-            <a:r>
-              <a:rPr lang="ar-DZ" sz="3200" dirty="0" smtClean="0"/>
-              <a:t>التعليمة </a:t>
-            </a:r>
-            <a:r>
-              <a:rPr lang="ar-DZ" sz="3200" dirty="0"/>
-              <a:t>رمز</a:t>
-            </a:r>
-            <a:r>
-              <a:rPr lang="fr-FR" sz="3200" dirty="0"/>
-              <a:t>  </a:t>
-            </a:r>
-            <a:r>
-              <a:rPr lang="ar-DZ" sz="3200" dirty="0"/>
-              <a:t> (</a:t>
-            </a:r>
-            <a:r>
-              <a:rPr lang="fr-FR" sz="3200" dirty="0"/>
-              <a:t>Symbole</a:t>
-            </a:r>
-            <a:r>
-              <a:rPr lang="ar-DZ" sz="3200" dirty="0"/>
-              <a:t>)</a:t>
-            </a:r>
-            <a:endParaRPr lang="fr-FR" sz="3200" dirty="0"/>
-          </a:p>
-          <a:p>
-            <a:pPr marL="457200" indent="-457200" algn="r" rtl="1">
-              <a:spcAft>
-                <a:spcPts val="800"/>
-              </a:spcAft>
-              <a:buFont typeface="Arial" panose="020B0604020202020204" pitchFamily="34" charset="0"/>
-              <a:buChar char="•"/>
-              <a:tabLst>
-                <a:tab pos="561340" algn="l"/>
-              </a:tabLst>
-            </a:pPr>
-            <a:r>
-              <a:rPr lang="ar-SA" sz="3200" dirty="0" smtClean="0"/>
-              <a:t>رموز </a:t>
-            </a:r>
-            <a:r>
-              <a:rPr lang="ar-SA" sz="3200" dirty="0"/>
-              <a:t>أخرى (</a:t>
-            </a:r>
-            <a:r>
-              <a:rPr lang="fr-FR" sz="3200" dirty="0"/>
-              <a:t>Autres Symboles</a:t>
-            </a:r>
-            <a:r>
-              <a:rPr lang="ar-SA" sz="3200" dirty="0"/>
-              <a:t>)</a:t>
-            </a:r>
-            <a:endParaRPr lang="fr-FR" sz="3200" dirty="0"/>
-          </a:p>
-          <a:p>
-            <a:pPr marL="457200" indent="-457200" algn="r" rtl="1">
-              <a:spcAft>
-                <a:spcPts val="800"/>
-              </a:spcAft>
-              <a:buFont typeface="Arial" panose="020B0604020202020204" pitchFamily="34" charset="0"/>
-              <a:buChar char="•"/>
-              <a:tabLst>
-                <a:tab pos="561340" algn="l"/>
-              </a:tabLst>
-            </a:pPr>
-            <a:r>
-              <a:rPr lang="ar-DZ" sz="3200" dirty="0" smtClean="0"/>
-              <a:t>نبحث </a:t>
-            </a:r>
-            <a:r>
-              <a:rPr lang="ar-DZ" sz="3200" dirty="0"/>
-              <a:t>على</a:t>
-            </a:r>
-            <a:r>
-              <a:rPr lang="ar-SA" sz="3200" dirty="0"/>
-              <a:t> الرمز الذي نريده ثم ننقر على (</a:t>
-            </a:r>
-            <a:r>
-              <a:rPr lang="fr-FR" sz="3200" dirty="0"/>
-              <a:t>Insérer</a:t>
-            </a:r>
-            <a:r>
-              <a:rPr lang="ar-SA" sz="3200" dirty="0" smtClean="0"/>
-              <a:t>)</a:t>
-            </a:r>
-            <a:endParaRPr lang="fr-FR" sz="3200" dirty="0"/>
           </a:p>
           <a:p>
             <a:pPr algn="r" rtl="1">
@@ -4735,6 +6614,20 @@
             </a:pPr>
             <a:r>
               <a:rPr lang="ar-DZ" sz="3200" dirty="0"/>
+              <a:t>عند النقر على تعليمتي الأحداث و التحكم المتميزتين باللون البرتقالي تظهر لبنات التحكم، حيث تمكن المبرمج من التحكم في المشروع.</a:t>
+            </a:r>
+          </a:p>
+          <a:p>
+            <a:pPr algn="r" rtl="1">
+              <a:spcAft>
+                <a:spcPts val="800"/>
+              </a:spcAft>
+              <a:tabLst>
+                <a:tab pos="561340" algn="l"/>
+              </a:tabLst>
+            </a:pPr>
+            <a:r>
+              <a:rPr lang="ar-DZ" sz="3200" dirty="0"/>
               <a:t> </a:t>
             </a:r>
             <a:endParaRPr lang="fr-FR" sz="3200" dirty="0"/>
@@ -4751,120 +6644,37 @@
                   <a:srgbClr val="FF0000"/>
                 </a:solidFill>
               </a:rPr>
-              <a:t>2- إدراج عبارات رياضية :</a:t>
-            </a:r>
-            <a:endParaRPr lang="fr-FR" sz="3200" b="1" dirty="0">
-              <a:solidFill>
-                <a:srgbClr val="FF0000"/>
-              </a:solidFill>
-            </a:endParaRPr>
-          </a:p>
-          <a:p>
-            <a:pPr marL="457200" indent="-457200" algn="r" rtl="1">
+              <a:t>2- </a:t>
+            </a:r>
+            <a:r>
+              <a:rPr lang="ar-DZ" sz="3200" b="1" u="sng" dirty="0" smtClean="0">
+                <a:solidFill>
+                  <a:srgbClr val="FF0000"/>
+                </a:solidFill>
+              </a:rPr>
+              <a:t>أقسام و دور لبنات التحكم </a:t>
+            </a:r>
+            <a:r>
+              <a:rPr lang="ar-DZ" sz="3200" b="1" u="sng" dirty="0" smtClean="0">
+                <a:solidFill>
+                  <a:srgbClr val="FF0000"/>
+                </a:solidFill>
+              </a:rPr>
+              <a:t>:</a:t>
+            </a:r>
+          </a:p>
+          <a:p>
+            <a:pPr algn="r" rtl="1">
               <a:spcAft>
                 <a:spcPts val="800"/>
               </a:spcAft>
-              <a:buFont typeface="Arial" panose="020B0604020202020204" pitchFamily="34" charset="0"/>
-              <a:buChar char="•"/>
             </a:pPr>
-            <a:r>
-              <a:rPr lang="ar-DZ" sz="3200" dirty="0" smtClean="0"/>
-              <a:t>ت</a:t>
-            </a:r>
-            <a:r>
-              <a:rPr lang="ar-SA" sz="3200" dirty="0" smtClean="0"/>
-              <a:t>بويب </a:t>
-            </a:r>
-            <a:r>
-              <a:rPr lang="ar-SA" sz="3200" dirty="0"/>
-              <a:t>الإدراج </a:t>
-            </a:r>
-            <a:r>
-              <a:rPr lang="ar-DZ" sz="3200" dirty="0"/>
-              <a:t>(</a:t>
-            </a:r>
-            <a:r>
-              <a:rPr lang="fr-FR" sz="3200" dirty="0"/>
-              <a:t>Insertion</a:t>
-            </a:r>
-            <a:r>
-              <a:rPr lang="ar-DZ" sz="3200" dirty="0"/>
-              <a:t>)</a:t>
-            </a:r>
-            <a:endParaRPr lang="fr-FR" sz="3200" dirty="0"/>
-          </a:p>
-          <a:p>
-            <a:pPr marL="457200" indent="-457200" algn="r" rtl="1">
-              <a:spcAft>
-                <a:spcPts val="800"/>
-              </a:spcAft>
-              <a:buFont typeface="Arial" panose="020B0604020202020204" pitchFamily="34" charset="0"/>
-              <a:buChar char="•"/>
-            </a:pPr>
-            <a:r>
-              <a:rPr lang="ar-DZ" sz="3200" dirty="0" smtClean="0"/>
-              <a:t>التعليمة </a:t>
-            </a:r>
-            <a:r>
-              <a:rPr lang="ar-DZ" sz="3200" dirty="0"/>
-              <a:t>معادلة (</a:t>
-            </a:r>
-            <a:r>
-              <a:rPr lang="fr-FR" sz="3200" dirty="0"/>
-              <a:t>Equation</a:t>
-            </a:r>
-            <a:r>
-              <a:rPr lang="ar-DZ" sz="3200" dirty="0" smtClean="0"/>
-              <a:t>)</a:t>
-            </a:r>
-            <a:endParaRPr lang="fr-FR" sz="3200" dirty="0" smtClean="0"/>
-          </a:p>
-          <a:p>
-            <a:pPr marL="457200" lvl="0" indent="-457200" algn="r" rtl="1">
-              <a:spcAft>
-                <a:spcPts val="800"/>
-              </a:spcAft>
-              <a:buFont typeface="Arial" panose="020B0604020202020204" pitchFamily="34" charset="0"/>
-              <a:buChar char="•"/>
-            </a:pPr>
-            <a:r>
-              <a:rPr lang="ar-DZ" sz="3200" dirty="0" smtClean="0">
-                <a:latin typeface="Times New Roman" panose="02020603050405020304" pitchFamily="18" charset="0"/>
-                <a:ea typeface="Calibri" panose="020F0502020204030204" pitchFamily="34" charset="0"/>
-                <a:cs typeface="Times New Roman" panose="02020603050405020304" pitchFamily="18" charset="0"/>
-              </a:rPr>
-              <a:t>نكتب </a:t>
-            </a:r>
-            <a:r>
-              <a:rPr lang="ar-DZ" sz="3200" dirty="0">
-                <a:latin typeface="Times New Roman" panose="02020603050405020304" pitchFamily="18" charset="0"/>
-                <a:ea typeface="Calibri" panose="020F0502020204030204" pitchFamily="34" charset="0"/>
-                <a:cs typeface="Times New Roman" panose="02020603050405020304" pitchFamily="18" charset="0"/>
-              </a:rPr>
-              <a:t>العبارة التي نريدها بالاعتماد على التبويب الجديد</a:t>
-            </a:r>
-            <a:r>
-              <a:rPr lang="fr-FR" sz="3200" dirty="0">
-                <a:latin typeface="Times New Roman" panose="02020603050405020304" pitchFamily="18" charset="0"/>
-                <a:ea typeface="Calibri" panose="020F0502020204030204" pitchFamily="34" charset="0"/>
-                <a:cs typeface="Times New Roman" panose="02020603050405020304" pitchFamily="18" charset="0"/>
-              </a:rPr>
-              <a:t> </a:t>
-            </a:r>
             <a:r>
               <a:rPr lang="fr-FR" sz="3200" dirty="0" smtClean="0">
                 <a:latin typeface="Times New Roman" panose="02020603050405020304" pitchFamily="18" charset="0"/>
                 <a:ea typeface="Calibri" panose="020F0502020204030204" pitchFamily="34" charset="0"/>
                 <a:cs typeface="Times New Roman" panose="02020603050405020304" pitchFamily="18" charset="0"/>
               </a:rPr>
-              <a:t>Conception</a:t>
-            </a:r>
-            <a:r>
-              <a:rPr lang="fr-FR" sz="3200" dirty="0">
-                <a:latin typeface="Times New Roman" panose="02020603050405020304" pitchFamily="18" charset="0"/>
-                <a:ea typeface="Calibri" panose="020F0502020204030204" pitchFamily="34" charset="0"/>
-                <a:cs typeface="Times New Roman" panose="02020603050405020304" pitchFamily="18" charset="0"/>
-              </a:rPr>
               <a:t> </a:t>
             </a:r>
             <a:endParaRPr lang="fr-FR" sz="3200" dirty="0">
@@ -4875,9 +6685,9 @@
       </p:sp>
       <p:pic>
         <p:nvPicPr>
-          <p:cNvPr id="2049" name="Image 10"/>
+          <p:cNvPr id="2" name="Image 1"/>
           <p:cNvPicPr>
-            <a:picLocks noChangeAspect="1" noChangeArrowheads="1"/>
+            <a:picLocks noChangeAspect="1"/>
           </p:cNvPicPr>
           <p:nvPr/>
         </p:nvPicPr>
@@ -4889,70 +6699,18 @@
               </a:ext>
             </a:extLst>
           </a:blip>
-          <a:srcRect/>
           <a:stretch>
             <a:fillRect/>
           </a:stretch>
         </p:blipFill>
-        <p:spPr bwMode="auto">
+        <p:spPr>
           <a:xfrm>
-            <a:off x="6891129" y="5042115"/>
-            <a:ext cx="595588" cy="465959"/>
+            <a:off x="3712931" y="3135461"/>
+            <a:ext cx="5296639" cy="3722539"/>
           </a:xfrm>
           <a:prstGeom prst="rect">
             <a:avLst/>
           </a:prstGeom>
-          <a:noFill/>
-          <a:extLst>
-            <a:ext uri="{909E8E84-426E-40DD-AFC4-6F175D3DCCD1}">
-              <a14:hiddenFill xmlns:a14="http://schemas.microsoft.com/office/drawing/2010/main">
-                <a:solidFill>
-                  <a:srgbClr val="FFFFFF"/>
-                </a:solidFill>
-              </a14:hiddenFill>
-            </a:ext>
-          </a:extLst>
-        </p:spPr>
-      </p:pic>
-      <p:pic>
-        <p:nvPicPr>
-          <p:cNvPr id="2050" name="Image 9"/>
-          <p:cNvPicPr>
-            <a:picLocks noChangeAspect="1" noChangeArrowheads="1"/>
-          </p:cNvPicPr>
-          <p:nvPr/>
-        </p:nvPicPr>
-        <p:blipFill>
-          <a:blip r:embed="rId3">
-            <a:extLst>
-              <a:ext uri="{28A0092B-C50C-407E-A947-70E740481C1C}">
-                <a14:useLocalDpi xmlns:a14="http://schemas.microsoft.com/office/drawing/2010/main" val="0"/>
-              </a:ext>
-            </a:extLst>
-          </a:blip>
-          <a:srcRect/>
-          <a:stretch>
-            <a:fillRect/>
-          </a:stretch>
-        </p:blipFill>
-        <p:spPr bwMode="auto">
-          <a:xfrm>
-            <a:off x="6891129" y="1444487"/>
-            <a:ext cx="724872" cy="611740"/>
-          </a:xfrm>
-          <a:prstGeom prst="rect">
-            <a:avLst/>
-          </a:prstGeom>
-          <a:noFill/>
-          <a:extLst>
-            <a:ext uri="{909E8E84-426E-40DD-AFC4-6F175D3DCCD1}">
-              <a14:hiddenFill xmlns:a14="http://schemas.microsoft.com/office/drawing/2010/main">
-                <a:solidFill>
-                  <a:srgbClr val="FFFFFF"/>
-                </a:solidFill>
-              </a14:hiddenFill>
-            </a:ext>
-          </a:extLst>
         </p:spPr>
       </p:pic>
     </p:spTree>
@@ -4975,7 +6733,178 @@
 </p:sld>
 </file>
 
-<file path=ppt/slides/slide5.xml><?xml version="1.0" encoding="utf-8"?>
+<file path=ppt/slides/slide8.xml><?xml version="1.0" encoding="utf-8"?>
+<p:sld xmlns:a="http://schemas.openxmlformats.org/drawingml/2006/main" xmlns:r="http://schemas.openxmlformats.org/officeDocument/2006/relationships" xmlns:p="http://schemas.openxmlformats.org/presentationml/2006/main">
+  <p:cSld>
+    <p:bg>
+      <p:bgPr>
+        <a:gradFill flip="none" rotWithShape="1">
+          <a:gsLst>
+            <a:gs pos="0">
+              <a:schemeClr val="bg1"/>
+            </a:gs>
+            <a:gs pos="100000">
+              <a:schemeClr val="accent1">
+                <a:lumMod val="20000"/>
+                <a:lumOff val="80000"/>
+              </a:schemeClr>
+            </a:gs>
+          </a:gsLst>
+          <a:lin ang="5400000" scaled="1"/>
+          <a:tileRect/>
+        </a:gradFill>
+        <a:effectLst/>
+      </p:bgPr>
+    </p:bg>
+    <p:spTree>
+      <p:nvGrpSpPr>
+        <p:cNvPr id="1" name=""/>
+        <p:cNvGrpSpPr/>
+        <p:nvPr/>
+      </p:nvGrpSpPr>
+      <p:grpSpPr>
+        <a:xfrm>
+          <a:off x="0" y="0"/>
+          <a:ext cx="0" cy="0"/>
+          <a:chOff x="0" y="0"/>
+          <a:chExt cx="0" cy="0"/>
+        </a:xfrm>
+      </p:grpSpPr>
+      <p:sp>
+        <p:nvSpPr>
+          <p:cNvPr id="3" name="Rectangle 2"/>
+          <p:cNvSpPr/>
+          <p:nvPr/>
+        </p:nvSpPr>
+        <p:spPr>
+          <a:xfrm>
+            <a:off x="86536" y="255756"/>
+            <a:ext cx="11780804" cy="2862322"/>
+          </a:xfrm>
+          <a:prstGeom prst="rect">
+            <a:avLst/>
+          </a:prstGeom>
+        </p:spPr>
+        <p:txBody>
+          <a:bodyPr wrap="square">
+            <a:spAutoFit/>
+          </a:bodyPr>
+          <a:lstStyle/>
+          <a:p>
+            <a:pPr algn="r" rtl="1">
+              <a:spcAft>
+                <a:spcPts val="800"/>
+              </a:spcAft>
+            </a:pPr>
+            <a:r>
+              <a:rPr lang="ar-DZ" sz="3200" b="1" u="sng" dirty="0" smtClean="0">
+                <a:solidFill>
+                  <a:srgbClr val="FF0000"/>
+                </a:solidFill>
+              </a:rPr>
+              <a:t>ملاحظة :</a:t>
+            </a:r>
+          </a:p>
+          <a:p>
+            <a:pPr algn="r" rtl="1"/>
+            <a:r>
+              <a:rPr lang="ar-DZ" sz="3200" dirty="0" smtClean="0">
+                <a:solidFill>
+                  <a:srgbClr val="00B050"/>
+                </a:solidFill>
+              </a:rPr>
+              <a:t>العلم </a:t>
+            </a:r>
+            <a:r>
+              <a:rPr lang="ar-DZ" sz="3200" dirty="0">
+                <a:solidFill>
+                  <a:srgbClr val="00B050"/>
+                </a:solidFill>
+              </a:rPr>
+              <a:t>الأخضر : </a:t>
+            </a:r>
+            <a:r>
+              <a:rPr lang="ar-DZ" sz="3200" dirty="0"/>
+              <a:t>يسمح بتشغيل المقاطع البرمجية التي تبدأ بلبنة العلم الأخضر. </a:t>
+            </a:r>
+          </a:p>
+          <a:p>
+            <a:pPr algn="r" rtl="1">
+              <a:spcAft>
+                <a:spcPts val="800"/>
+              </a:spcAft>
+            </a:pPr>
+            <a:r>
+              <a:rPr lang="ar-DZ" sz="3200" dirty="0">
+                <a:solidFill>
+                  <a:srgbClr val="00B050"/>
+                </a:solidFill>
+              </a:rPr>
+              <a:t>الزر الأحمر : </a:t>
+            </a:r>
+            <a:r>
+              <a:rPr lang="ar-DZ" sz="3200" dirty="0"/>
+              <a:t>يسمح بإيقاف </a:t>
+            </a:r>
+            <a:r>
+              <a:rPr lang="ar-DZ" sz="3200" dirty="0" smtClean="0"/>
+              <a:t>العمل.</a:t>
+            </a:r>
+            <a:endParaRPr lang="ar-DZ" sz="3200" dirty="0"/>
+          </a:p>
+          <a:p>
+            <a:pPr algn="r" rtl="1">
+              <a:spcAft>
+                <a:spcPts val="800"/>
+              </a:spcAft>
+            </a:pPr>
+            <a:endParaRPr lang="ar-DZ" sz="3200" b="1" u="sng" dirty="0" smtClean="0">
+              <a:solidFill>
+                <a:srgbClr val="FF0000"/>
+              </a:solidFill>
+            </a:endParaRPr>
+          </a:p>
+          <a:p>
+            <a:pPr algn="r" rtl="1">
+              <a:spcAft>
+                <a:spcPts val="800"/>
+              </a:spcAft>
+            </a:pPr>
+            <a:r>
+              <a:rPr lang="fr-FR" sz="3200" dirty="0" smtClean="0">
+                <a:latin typeface="Times New Roman" panose="02020603050405020304" pitchFamily="18" charset="0"/>
+                <a:ea typeface="Calibri" panose="020F0502020204030204" pitchFamily="34" charset="0"/>
+                <a:cs typeface="Times New Roman" panose="02020603050405020304" pitchFamily="18" charset="0"/>
+              </a:rPr>
+              <a:t> </a:t>
+            </a:r>
+            <a:endParaRPr lang="fr-FR" sz="3200" dirty="0">
+              <a:latin typeface="Arial" panose="020B0604020202020204" pitchFamily="34" charset="0"/>
+            </a:endParaRPr>
+          </a:p>
+        </p:txBody>
+      </p:sp>
+    </p:spTree>
+    <p:extLst>
+      <p:ext uri="{BB962C8B-B14F-4D97-AF65-F5344CB8AC3E}">
+        <p14:creationId xmlns:p14="http://schemas.microsoft.com/office/powerpoint/2010/main" val="1503696084"/>
+      </p:ext>
+    </p:extLst>
+  </p:cSld>
+  <p:clrMapOvr>
+    <a:masterClrMapping/>
+  </p:clrMapOvr>
+  <p:timing>
+    <p:tnLst>
+      <p:par>
+        <p:cTn id="1" dur="indefinite" restart="never" nodeType="tmRoot"/>
+      </p:par>
+    </p:tnLst>
+  </p:timing>
+</p:sld>
+</file>
+
+<file path=ppt/slides/slide9.xml><?xml version="1.0" encoding="utf-8"?>
 <p:sld xmlns:a="http://schemas.openxmlformats.org/drawingml/2006/main" xmlns:r="http://schemas.openxmlformats.org/officeDocument/2006/relationships" xmlns:p="http://schemas.openxmlformats.org/presentationml/2006/main">
   <p:cSld>
     <p:bg>
@@ -5035,191 +6964,329 @@
                 <a:ea typeface="Times New Roman" panose="02020603050405020304" pitchFamily="18" charset="0"/>
                 <a:cs typeface="Times New Roman" panose="02020603050405020304" pitchFamily="18" charset="0"/>
               </a:rPr>
-              <a:t>تدريب :</a:t>
-            </a:r>
-          </a:p>
-        </p:txBody>
-      </p:sp>
-      <mc:AlternateContent xmlns:mc="http://schemas.openxmlformats.org/markup-compatibility/2006">
-        <mc:Choice xmlns:a14="http://schemas.microsoft.com/office/drawing/2010/main" Requires="a14">
-          <p:sp>
-            <p:nvSpPr>
-              <p:cNvPr id="3" name="Rectangle 2"/>
-              <p:cNvSpPr/>
-              <p:nvPr/>
-            </p:nvSpPr>
-            <p:spPr>
-              <a:xfrm>
-                <a:off x="622852" y="993020"/>
-                <a:ext cx="11329817" cy="3645742"/>
-              </a:xfrm>
-              <a:prstGeom prst="rect">
-                <a:avLst/>
-              </a:prstGeom>
-            </p:spPr>
-            <p:txBody>
-              <a:bodyPr wrap="square">
-                <a:spAutoFit/>
-              </a:bodyPr>
-              <a:lstStyle/>
-              <a:p>
-                <a:pPr algn="r" rtl="1"/>
-                <a:r>
-                  <a:rPr lang="ar-DZ" sz="3600" dirty="0"/>
-                  <a:t>لنحاول كتابة ما يلي في برنامج </a:t>
-                </a:r>
-                <a:r>
-                  <a:rPr lang="fr-FR" sz="3600" dirty="0"/>
-                  <a:t>Word</a:t>
-                </a:r>
-                <a:r>
-                  <a:rPr lang="ar-DZ" sz="3600" dirty="0"/>
-                  <a:t> </a:t>
-                </a:r>
-                <a:r>
-                  <a:rPr lang="ar-DZ" sz="3600" dirty="0" smtClean="0"/>
-                  <a:t>:</a:t>
-                </a:r>
-              </a:p>
-              <a:p>
-                <a:pPr algn="r" rtl="1"/>
-                <a:endParaRPr lang="fr-FR" sz="3600" dirty="0"/>
-              </a:p>
-              <a:p>
-                <a:pPr marL="571500" indent="-571500" algn="r" rtl="1">
-                  <a:buFont typeface="Wingdings" panose="05000000000000000000" pitchFamily="2" charset="2"/>
-                  <a:buChar char="ü"/>
-                </a:pPr>
-                <a:r>
-                  <a:rPr lang="fr-FR" sz="3600" dirty="0"/>
-                  <a:t>1 $ = 140 DA</a:t>
-                </a:r>
-              </a:p>
-              <a:p>
-                <a:pPr marL="571500" lvl="0" indent="-571500" algn="r" rtl="1">
-                  <a:buFont typeface="Wingdings" panose="05000000000000000000" pitchFamily="2" charset="2"/>
-                  <a:buChar char="ü"/>
-                </a:pPr>
-                <a:r>
-                  <a:rPr lang="fr-FR" sz="3600" dirty="0"/>
-                  <a:t>100 = 50 + 50</a:t>
-                </a:r>
-              </a:p>
-              <a:p>
-                <a:pPr marL="571500" lvl="0" indent="-571500" algn="r" rtl="1">
-                  <a:buFont typeface="Wingdings" panose="05000000000000000000" pitchFamily="2" charset="2"/>
-                  <a:buChar char="ü"/>
-                </a:pPr>
-                <a14:m>
-                  <m:oMath xmlns:m="http://schemas.openxmlformats.org/officeDocument/2006/math">
-                    <m:r>
-                      <a:rPr lang="fr-FR" sz="3600" i="1"/>
-                      <m:t>20</m:t>
-                    </m:r>
-                    <m:r>
-                      <a:rPr lang="fr-FR" sz="3600" i="1"/>
-                      <m:t>&lt;</m:t>
-                    </m:r>
-                    <m:r>
-                      <a:rPr lang="fr-FR" sz="3600" i="1"/>
-                      <m:t>30</m:t>
-                    </m:r>
-                    <m:r>
-                      <a:rPr lang="fr-FR" sz="3600" i="1"/>
-                      <m:t>&lt;</m:t>
-                    </m:r>
-                    <m:r>
-                      <a:rPr lang="fr-FR" sz="3600" i="1"/>
-                      <m:t>40</m:t>
-                    </m:r>
-                  </m:oMath>
-                </a14:m>
-                <a:endParaRPr lang="fr-FR" sz="3600" dirty="0"/>
-              </a:p>
-              <a:p>
-                <a:pPr marL="571500" indent="-571500" algn="r" rtl="1">
-                  <a:buFont typeface="Wingdings" panose="05000000000000000000" pitchFamily="2" charset="2"/>
-                  <a:buChar char="ü"/>
-                </a:pPr>
-                <a:r>
-                  <a:rPr lang="fr-FR" sz="3600" dirty="0"/>
-                  <a:t>  </a:t>
-                </a:r>
-                <a14:m>
-                  <m:oMath xmlns:m="http://schemas.openxmlformats.org/officeDocument/2006/math">
-                    <m:f>
-                      <m:fPr>
-                        <m:ctrlPr>
-                          <a:rPr lang="fr-FR" sz="3600" i="1"/>
-                        </m:ctrlPr>
-                      </m:fPr>
-                      <m:num>
-                        <m:r>
-                          <a:rPr lang="fr-FR" sz="3600" i="1"/>
-                          <m:t>100</m:t>
-                        </m:r>
-                      </m:num>
-                      <m:den>
-                        <m:r>
-                          <a:rPr lang="fr-FR" sz="3600" i="1"/>
-                          <m:t>2</m:t>
-                        </m:r>
-                      </m:den>
-                    </m:f>
-                    <m:r>
-                      <a:rPr lang="fr-FR" sz="3600" i="1"/>
-                      <m:t>=</m:t>
-                    </m:r>
-                    <m:r>
-                      <a:rPr lang="fr-FR" sz="3600" i="1"/>
-                      <m:t>50</m:t>
-                    </m:r>
-                  </m:oMath>
-                </a14:m>
-                <a:endParaRPr lang="ar-DZ" sz="3600" dirty="0"/>
-              </a:p>
-            </p:txBody>
-          </p:sp>
-        </mc:Choice>
-        <mc:Fallback>
-          <p:sp>
-            <p:nvSpPr>
-              <p:cNvPr id="3" name="Rectangle 2"/>
-              <p:cNvSpPr>
-                <a:spLocks noRot="1" noChangeAspect="1" noMove="1" noResize="1" noEditPoints="1" noAdjustHandles="1" noChangeArrowheads="1" noChangeShapeType="1" noTextEdit="1"/>
-              </p:cNvSpPr>
-              <p:nvPr/>
-            </p:nvSpPr>
-            <p:spPr>
-              <a:xfrm>
-                <a:off x="622852" y="993020"/>
-                <a:ext cx="11329817" cy="3645742"/>
-              </a:xfrm>
-              <a:prstGeom prst="rect">
-                <a:avLst/>
-              </a:prstGeom>
-              <a:blipFill rotWithShape="0">
-                <a:blip r:embed="rId2"/>
-                <a:stretch>
-                  <a:fillRect t="-3010" r="-1614" b="-1171"/>
-                </a:stretch>
-              </a:blipFill>
-            </p:spPr>
-            <p:txBody>
-              <a:bodyPr/>
-              <a:lstStyle/>
-              <a:p>
-                <a:r>
-                  <a:rPr lang="fr-FR">
-                    <a:noFill/>
-                  </a:rPr>
-                  <a:t> </a:t>
-                </a:r>
-              </a:p>
-            </p:txBody>
-          </p:sp>
-        </mc:Fallback>
-      </mc:AlternateContent>
+              <a:t>تدريب </a:t>
+            </a:r>
+            <a:r>
+              <a:rPr lang="ar-DZ" sz="4400" b="1" u="sng" dirty="0" smtClean="0">
+                <a:solidFill>
+                  <a:srgbClr val="FF0000"/>
+                </a:solidFill>
+                <a:latin typeface="Calibri" panose="020F0502020204030204" pitchFamily="34" charset="0"/>
+                <a:ea typeface="Times New Roman" panose="02020603050405020304" pitchFamily="18" charset="0"/>
+                <a:cs typeface="Times New Roman" panose="02020603050405020304" pitchFamily="18" charset="0"/>
+              </a:rPr>
+              <a:t>:</a:t>
+            </a:r>
+            <a:r>
+              <a:rPr lang="ar-DZ" sz="4400" b="1" dirty="0">
+                <a:solidFill>
+                  <a:srgbClr val="FF0000"/>
+                </a:solidFill>
+                <a:latin typeface="Calibri" panose="020F0502020204030204" pitchFamily="34" charset="0"/>
+                <a:ea typeface="Times New Roman" panose="02020603050405020304" pitchFamily="18" charset="0"/>
+                <a:cs typeface="Times New Roman" panose="02020603050405020304" pitchFamily="18" charset="0"/>
+              </a:rPr>
+              <a:t> </a:t>
+            </a:r>
+            <a:r>
+              <a:rPr lang="ar-DZ" sz="3200" dirty="0">
+                <a:cs typeface="+mj-cs"/>
+              </a:rPr>
+              <a:t>لننشئ المقطع البرمجي التالي </a:t>
+            </a:r>
+            <a:r>
+              <a:rPr lang="ar-DZ" sz="3200" dirty="0" smtClean="0">
+                <a:cs typeface="+mj-cs"/>
+              </a:rPr>
+              <a:t>:</a:t>
+            </a:r>
+            <a:endParaRPr lang="fr-FR" sz="3200" dirty="0">
+              <a:cs typeface="+mj-cs"/>
+            </a:endParaRPr>
+          </a:p>
+        </p:txBody>
+      </p:sp>
+      <p:sp>
+        <p:nvSpPr>
+          <p:cNvPr id="3" name="Rectangle 2"/>
+          <p:cNvSpPr/>
+          <p:nvPr/>
+        </p:nvSpPr>
+        <p:spPr>
+          <a:xfrm>
+            <a:off x="5552659" y="994856"/>
+            <a:ext cx="6400010" cy="5693866"/>
+          </a:xfrm>
+          <a:prstGeom prst="rect">
+            <a:avLst/>
+          </a:prstGeom>
+        </p:spPr>
+        <p:txBody>
+          <a:bodyPr wrap="square">
+            <a:spAutoFit/>
+          </a:bodyPr>
+          <a:lstStyle/>
+          <a:p>
+            <a:pPr marL="571500" indent="-571500" algn="r" rtl="1">
+              <a:buFont typeface="Wingdings" panose="05000000000000000000" pitchFamily="2" charset="2"/>
+              <a:buChar char="Ø"/>
+            </a:pPr>
+            <a:r>
+              <a:rPr lang="ar-DZ" sz="2800" dirty="0" smtClean="0">
+                <a:cs typeface="+mj-cs"/>
+              </a:rPr>
+              <a:t>أين </a:t>
+            </a:r>
+            <a:r>
+              <a:rPr lang="ar-DZ" sz="2800" dirty="0">
+                <a:cs typeface="+mj-cs"/>
+              </a:rPr>
+              <a:t>يجب الضغط كي يبدأ المقطع بالتنفيذ ؟ </a:t>
+            </a:r>
+          </a:p>
+          <a:p>
+            <a:pPr marL="571500" indent="-571500" algn="r" rtl="1">
+              <a:buFont typeface="Wingdings" panose="05000000000000000000" pitchFamily="2" charset="2"/>
+              <a:buChar char="Ø"/>
+            </a:pPr>
+            <a:r>
+              <a:rPr lang="ar-DZ" sz="2800" dirty="0" smtClean="0">
+                <a:cs typeface="+mj-cs"/>
+              </a:rPr>
+              <a:t>هل </a:t>
+            </a:r>
+            <a:r>
+              <a:rPr lang="ar-DZ" sz="2800" dirty="0">
+                <a:cs typeface="+mj-cs"/>
+              </a:rPr>
+              <a:t>سيتوقف المقطع عن التشغيل تلقائيا ؟ </a:t>
+            </a:r>
+          </a:p>
+          <a:p>
+            <a:pPr marL="571500" indent="-571500" algn="r" rtl="1">
+              <a:buFont typeface="Wingdings" panose="05000000000000000000" pitchFamily="2" charset="2"/>
+              <a:buChar char="Ø"/>
+            </a:pPr>
+            <a:r>
+              <a:rPr lang="ar-DZ" sz="2800" dirty="0" smtClean="0">
+                <a:cs typeface="+mj-cs"/>
+              </a:rPr>
+              <a:t>ماذا </a:t>
+            </a:r>
+            <a:r>
+              <a:rPr lang="ar-DZ" sz="2800" dirty="0">
+                <a:cs typeface="+mj-cs"/>
+              </a:rPr>
+              <a:t>يجب عليّ فعله إذن ؟ </a:t>
+            </a:r>
+          </a:p>
+          <a:p>
+            <a:pPr marL="571500" indent="-571500" algn="r" rtl="1">
+              <a:buFont typeface="Wingdings" panose="05000000000000000000" pitchFamily="2" charset="2"/>
+              <a:buChar char="Ø"/>
+            </a:pPr>
+            <a:r>
+              <a:rPr lang="ar-DZ" sz="2800" dirty="0" smtClean="0">
+                <a:cs typeface="+mj-cs"/>
+              </a:rPr>
+              <a:t>لنحاول </a:t>
+            </a:r>
+            <a:r>
+              <a:rPr lang="ar-DZ" sz="2800" dirty="0">
+                <a:cs typeface="+mj-cs"/>
+              </a:rPr>
+              <a:t>الضغط على الزر الأحمر، ماذا تستنتج ؟ </a:t>
+            </a:r>
+          </a:p>
+          <a:p>
+            <a:pPr marL="571500" indent="-571500" algn="r" rtl="1">
+              <a:buFont typeface="Wingdings" panose="05000000000000000000" pitchFamily="2" charset="2"/>
+              <a:buChar char="Ø"/>
+            </a:pPr>
+            <a:r>
+              <a:rPr lang="ar-DZ" sz="2800" dirty="0" smtClean="0">
+                <a:cs typeface="+mj-cs"/>
+              </a:rPr>
+              <a:t>لنحاول </a:t>
+            </a:r>
+            <a:r>
+              <a:rPr lang="ar-DZ" sz="2800" dirty="0">
+                <a:cs typeface="+mj-cs"/>
+              </a:rPr>
+              <a:t>الضغط على العلم الأخضر، ماذا تلاحظ؟ </a:t>
+            </a:r>
+          </a:p>
+          <a:p>
+            <a:pPr marL="571500" indent="-571500" algn="r" rtl="1">
+              <a:buFont typeface="Wingdings" panose="05000000000000000000" pitchFamily="2" charset="2"/>
+              <a:buChar char="Ø"/>
+            </a:pPr>
+            <a:r>
+              <a:rPr lang="ar-DZ" sz="2800" dirty="0" smtClean="0">
+                <a:cs typeface="+mj-cs"/>
+              </a:rPr>
+              <a:t>برأيك</a:t>
+            </a:r>
+            <a:r>
+              <a:rPr lang="ar-DZ" sz="2800" dirty="0">
+                <a:cs typeface="+mj-cs"/>
+              </a:rPr>
+              <a:t>، لماذا لم يبدأ المقطع بالتنفيذ عند النقر على العلم الأخضر ؟ </a:t>
+            </a:r>
+          </a:p>
+          <a:p>
+            <a:pPr marL="571500" indent="-571500" algn="r" rtl="1">
+              <a:buFont typeface="Wingdings" panose="05000000000000000000" pitchFamily="2" charset="2"/>
+              <a:buChar char="Ø"/>
+            </a:pPr>
+            <a:r>
+              <a:rPr lang="ar-DZ" sz="2800" dirty="0" smtClean="0">
+                <a:cs typeface="+mj-cs"/>
+              </a:rPr>
+              <a:t>لنغيّر </a:t>
+            </a:r>
+            <a:r>
+              <a:rPr lang="ar-DZ" sz="2800" dirty="0">
+                <a:cs typeface="+mj-cs"/>
+              </a:rPr>
+              <a:t>لبنة "عند ضغط على </a:t>
+            </a:r>
+            <a:r>
+              <a:rPr lang="ar-DZ" sz="2800" dirty="0" smtClean="0">
+                <a:cs typeface="+mj-cs"/>
+              </a:rPr>
+              <a:t>مفتاح</a:t>
+            </a:r>
+            <a:r>
+              <a:rPr lang="fr-FR" sz="2800" dirty="0" smtClean="0">
+                <a:cs typeface="+mj-cs"/>
+              </a:rPr>
+              <a:t>a</a:t>
+            </a:r>
+            <a:r>
+              <a:rPr lang="fr-FR" sz="2800" dirty="0">
+                <a:cs typeface="+mj-cs"/>
+              </a:rPr>
+              <a:t> </a:t>
+            </a:r>
+            <a:r>
+              <a:rPr lang="ar-DZ" sz="2800" dirty="0" smtClean="0">
+                <a:cs typeface="+mj-cs"/>
+              </a:rPr>
+              <a:t> </a:t>
+            </a:r>
+            <a:r>
+              <a:rPr lang="fr-FR" sz="2800" dirty="0" smtClean="0">
+                <a:cs typeface="+mj-cs"/>
+              </a:rPr>
+              <a:t>"</a:t>
+            </a:r>
+            <a:r>
+              <a:rPr lang="ar-DZ" sz="2800" dirty="0" smtClean="0">
+                <a:cs typeface="+mj-cs"/>
+              </a:rPr>
+              <a:t>إلى </a:t>
+            </a:r>
+            <a:r>
+              <a:rPr lang="ar-DZ" sz="2800" dirty="0">
+                <a:cs typeface="+mj-cs"/>
+              </a:rPr>
+              <a:t>لبنة "عند ضغط على العلم الأخضر" </a:t>
+            </a:r>
+          </a:p>
+          <a:p>
+            <a:pPr marL="571500" indent="-571500" algn="r" rtl="1">
+              <a:buFont typeface="Wingdings" panose="05000000000000000000" pitchFamily="2" charset="2"/>
+              <a:buChar char="Ø"/>
+            </a:pPr>
+            <a:r>
+              <a:rPr lang="ar-DZ" sz="2800" dirty="0" smtClean="0">
+                <a:cs typeface="+mj-cs"/>
+              </a:rPr>
+              <a:t>لنعيد </a:t>
+            </a:r>
+            <a:r>
+              <a:rPr lang="ar-DZ" sz="2800" dirty="0">
+                <a:cs typeface="+mj-cs"/>
+              </a:rPr>
+              <a:t>الضغط على العلم الأخضر، ماذا نستنتج ؟ </a:t>
+            </a:r>
+          </a:p>
+          <a:p>
+            <a:pPr marL="571500" indent="-571500" algn="r" rtl="1">
+              <a:buFont typeface="Wingdings" panose="05000000000000000000" pitchFamily="2" charset="2"/>
+              <a:buChar char="Ø"/>
+            </a:pPr>
+            <a:r>
+              <a:rPr lang="ar-DZ" sz="2800" dirty="0" smtClean="0">
+                <a:cs typeface="+mj-cs"/>
+              </a:rPr>
+              <a:t>في </a:t>
+            </a:r>
+            <a:r>
+              <a:rPr lang="ar-DZ" sz="2800" dirty="0">
+                <a:cs typeface="+mj-cs"/>
+              </a:rPr>
+              <a:t>هذا المقطع البرمجي ما هي اللبنات التي لم نتطرق إليها بعد ؟ ما لونها ؟ </a:t>
+            </a:r>
+          </a:p>
+          <a:p>
+            <a:pPr marL="571500" indent="-571500" algn="r" rtl="1">
+              <a:buFont typeface="Wingdings" panose="05000000000000000000" pitchFamily="2" charset="2"/>
+              <a:buChar char="Ø"/>
+            </a:pPr>
+            <a:r>
+              <a:rPr lang="ar-DZ" sz="2800" dirty="0" smtClean="0">
+                <a:cs typeface="+mj-cs"/>
+              </a:rPr>
+              <a:t>إلى </a:t>
+            </a:r>
+            <a:r>
+              <a:rPr lang="ar-DZ" sz="2800" dirty="0">
+                <a:cs typeface="+mj-cs"/>
+              </a:rPr>
+              <a:t>أي تعليمة تنتمي </a:t>
+            </a:r>
+            <a:r>
+              <a:rPr lang="ar-DZ" sz="2800" dirty="0" smtClean="0">
+                <a:cs typeface="+mj-cs"/>
+              </a:rPr>
+              <a:t>؟ </a:t>
+            </a:r>
+            <a:endParaRPr lang="ar-DZ" sz="2800" dirty="0">
+              <a:cs typeface="+mj-cs"/>
+            </a:endParaRPr>
+          </a:p>
+        </p:txBody>
+      </p:sp>
+      <p:pic>
+        <p:nvPicPr>
+          <p:cNvPr id="5" name="Image 4"/>
+          <p:cNvPicPr/>
+          <p:nvPr/>
+        </p:nvPicPr>
+        <p:blipFill>
+          <a:blip r:embed="rId2">
+            <a:extLst>
+              <a:ext uri="{28A0092B-C50C-407E-A947-70E740481C1C}">
+                <a14:useLocalDpi xmlns:a14="http://schemas.microsoft.com/office/drawing/2010/main" val="0"/>
+              </a:ext>
+            </a:extLst>
+          </a:blip>
+          <a:stretch>
+            <a:fillRect/>
+          </a:stretch>
+        </p:blipFill>
+        <p:spPr>
+          <a:xfrm>
+            <a:off x="291546" y="289840"/>
+            <a:ext cx="5261113" cy="6389255"/>
+          </a:xfrm>
+          <a:prstGeom prst="rect">
+            <a:avLst/>
+          </a:prstGeom>
+        </p:spPr>
+      </p:pic>
     </p:spTree>
     <p:extLst>
       <p:ext uri="{BB962C8B-B14F-4D97-AF65-F5344CB8AC3E}">

--- a/2 am/بناء المشاريع 2/2 التحكم/cours 14/عرض الدرس.pptx
+++ b/2 am/بناء المشاريع 2/2 التحكم/cours 14/عرض الدرس.pptx
@@ -205,7 +205,7 @@
           <a:p>
             <a:fld id="{04809ED0-CAD5-44E1-91E8-3616676F7223}" type="datetimeFigureOut">
               <a:rPr lang="fr-FR" smtClean="0"/>
-              <a:t>14/04/2025</a:t>
+              <a:t>20/04/2025</a:t>
             </a:fld>
             <a:endParaRPr lang="fr-FR"/>
           </a:p>
@@ -1024,7 +1024,7 @@
           <a:p>
             <a:fld id="{16B4F739-B7D4-4EFD-BF14-44542778AB9F}" type="datetimeFigureOut">
               <a:rPr lang="fr-FR" smtClean="0"/>
-              <a:t>14/04/2025</a:t>
+              <a:t>20/04/2025</a:t>
             </a:fld>
             <a:endParaRPr lang="fr-FR"/>
           </a:p>
@@ -1194,7 +1194,7 @@
           <a:p>
             <a:fld id="{16B4F739-B7D4-4EFD-BF14-44542778AB9F}" type="datetimeFigureOut">
               <a:rPr lang="fr-FR" smtClean="0"/>
-              <a:t>14/04/2025</a:t>
+              <a:t>20/04/2025</a:t>
             </a:fld>
             <a:endParaRPr lang="fr-FR"/>
           </a:p>
@@ -1374,7 +1374,7 @@
           <a:p>
             <a:fld id="{16B4F739-B7D4-4EFD-BF14-44542778AB9F}" type="datetimeFigureOut">
               <a:rPr lang="fr-FR" smtClean="0"/>
-              <a:t>14/04/2025</a:t>
+              <a:t>20/04/2025</a:t>
             </a:fld>
             <a:endParaRPr lang="fr-FR"/>
           </a:p>
@@ -1544,7 +1544,7 @@
           <a:p>
             <a:fld id="{16B4F739-B7D4-4EFD-BF14-44542778AB9F}" type="datetimeFigureOut">
               <a:rPr lang="fr-FR" smtClean="0"/>
-              <a:t>14/04/2025</a:t>
+              <a:t>20/04/2025</a:t>
             </a:fld>
             <a:endParaRPr lang="fr-FR"/>
           </a:p>
@@ -1790,7 +1790,7 @@
           <a:p>
             <a:fld id="{16B4F739-B7D4-4EFD-BF14-44542778AB9F}" type="datetimeFigureOut">
               <a:rPr lang="fr-FR" smtClean="0"/>
-              <a:t>14/04/2025</a:t>
+              <a:t>20/04/2025</a:t>
             </a:fld>
             <a:endParaRPr lang="fr-FR"/>
           </a:p>
@@ -2022,7 +2022,7 @@
           <a:p>
             <a:fld id="{16B4F739-B7D4-4EFD-BF14-44542778AB9F}" type="datetimeFigureOut">
               <a:rPr lang="fr-FR" smtClean="0"/>
-              <a:t>14/04/2025</a:t>
+              <a:t>20/04/2025</a:t>
             </a:fld>
             <a:endParaRPr lang="fr-FR"/>
           </a:p>
@@ -2389,7 +2389,7 @@
           <a:p>
             <a:fld id="{16B4F739-B7D4-4EFD-BF14-44542778AB9F}" type="datetimeFigureOut">
               <a:rPr lang="fr-FR" smtClean="0"/>
-              <a:t>14/04/2025</a:t>
+              <a:t>20/04/2025</a:t>
             </a:fld>
             <a:endParaRPr lang="fr-FR"/>
           </a:p>
@@ -2507,7 +2507,7 @@
           <a:p>
             <a:fld id="{16B4F739-B7D4-4EFD-BF14-44542778AB9F}" type="datetimeFigureOut">
               <a:rPr lang="fr-FR" smtClean="0"/>
-              <a:t>14/04/2025</a:t>
+              <a:t>20/04/2025</a:t>
             </a:fld>
             <a:endParaRPr lang="fr-FR"/>
           </a:p>
@@ -2602,7 +2602,7 @@
           <a:p>
             <a:fld id="{16B4F739-B7D4-4EFD-BF14-44542778AB9F}" type="datetimeFigureOut">
               <a:rPr lang="fr-FR" smtClean="0"/>
-              <a:t>14/04/2025</a:t>
+              <a:t>20/04/2025</a:t>
             </a:fld>
             <a:endParaRPr lang="fr-FR"/>
           </a:p>
@@ -2879,7 +2879,7 @@
           <a:p>
             <a:fld id="{16B4F739-B7D4-4EFD-BF14-44542778AB9F}" type="datetimeFigureOut">
               <a:rPr lang="fr-FR" smtClean="0"/>
-              <a:t>14/04/2025</a:t>
+              <a:t>20/04/2025</a:t>
             </a:fld>
             <a:endParaRPr lang="fr-FR"/>
           </a:p>
@@ -3132,7 +3132,7 @@
           <a:p>
             <a:fld id="{16B4F739-B7D4-4EFD-BF14-44542778AB9F}" type="datetimeFigureOut">
               <a:rPr lang="fr-FR" smtClean="0"/>
-              <a:t>14/04/2025</a:t>
+              <a:t>20/04/2025</a:t>
             </a:fld>
             <a:endParaRPr lang="fr-FR"/>
           </a:p>
@@ -3375,7 +3375,7 @@
           <a:p>
             <a:fld id="{16B4F739-B7D4-4EFD-BF14-44542778AB9F}" type="datetimeFigureOut">
               <a:rPr lang="fr-FR" smtClean="0"/>
-              <a:t>14/04/2025</a:t>
+              <a:t>20/04/2025</a:t>
             </a:fld>
             <a:endParaRPr lang="fr-FR"/>
           </a:p>
@@ -4205,18 +4205,7 @@
                 <a:ea typeface="Times New Roman" panose="02020603050405020304" pitchFamily="18" charset="0"/>
                 <a:cs typeface="Times New Roman" panose="02020603050405020304" pitchFamily="18" charset="0"/>
               </a:rPr>
-              <a:t>نشاط 01 </a:t>
-            </a:r>
-            <a:r>
-              <a:rPr lang="ar-DZ" sz="4000" b="1" u="sng" dirty="0" smtClean="0">
-                <a:solidFill>
-                  <a:srgbClr val="FF0000"/>
-                </a:solidFill>
-                <a:latin typeface="Calibri" panose="020F0502020204030204" pitchFamily="34" charset="0"/>
-                <a:ea typeface="Times New Roman" panose="02020603050405020304" pitchFamily="18" charset="0"/>
-                <a:cs typeface="Times New Roman" panose="02020603050405020304" pitchFamily="18" charset="0"/>
-              </a:rPr>
-              <a:t>:</a:t>
+              <a:t>نشاط 01 :</a:t>
             </a:r>
             <a:endParaRPr lang="fr-FR" sz="3200" b="1" dirty="0">
               <a:effectLst/>
@@ -5475,18 +5464,7 @@
                 <a:ea typeface="Times New Roman" panose="02020603050405020304" pitchFamily="18" charset="0"/>
                 <a:cs typeface="Times New Roman" panose="02020603050405020304" pitchFamily="18" charset="0"/>
               </a:rPr>
-              <a:t>نشاط 03 </a:t>
-            </a:r>
-            <a:r>
-              <a:rPr lang="ar-DZ" sz="4000" b="1" u="sng" dirty="0" smtClean="0">
-                <a:solidFill>
-                  <a:srgbClr val="FF0000"/>
-                </a:solidFill>
-                <a:latin typeface="Calibri" panose="020F0502020204030204" pitchFamily="34" charset="0"/>
-                <a:ea typeface="Times New Roman" panose="02020603050405020304" pitchFamily="18" charset="0"/>
-                <a:cs typeface="Times New Roman" panose="02020603050405020304" pitchFamily="18" charset="0"/>
-              </a:rPr>
-              <a:t>:</a:t>
+              <a:t>نشاط 03 :</a:t>
             </a:r>
             <a:endParaRPr lang="fr-FR" sz="3200" b="1" dirty="0">
               <a:effectLst/>
@@ -5883,18 +5861,7 @@
                 <a:ea typeface="Times New Roman" panose="02020603050405020304" pitchFamily="18" charset="0"/>
                 <a:cs typeface="Times New Roman" panose="02020603050405020304" pitchFamily="18" charset="0"/>
               </a:rPr>
-              <a:t>نشاط 03 </a:t>
-            </a:r>
-            <a:r>
-              <a:rPr lang="ar-DZ" sz="4000" b="1" u="sng" dirty="0" smtClean="0">
-                <a:solidFill>
-                  <a:srgbClr val="FF0000"/>
-                </a:solidFill>
-                <a:latin typeface="Calibri" panose="020F0502020204030204" pitchFamily="34" charset="0"/>
-                <a:ea typeface="Times New Roman" panose="02020603050405020304" pitchFamily="18" charset="0"/>
-                <a:cs typeface="Times New Roman" panose="02020603050405020304" pitchFamily="18" charset="0"/>
-              </a:rPr>
-              <a:t>:</a:t>
+              <a:t>نشاط 03 :</a:t>
             </a:r>
             <a:endParaRPr lang="fr-FR" sz="3200" b="1" dirty="0">
               <a:effectLst/>
@@ -6587,15 +6554,7 @@
                   <a:srgbClr val="FF0000"/>
                 </a:solidFill>
               </a:rPr>
-              <a:t> </a:t>
-            </a:r>
-            <a:r>
-              <a:rPr lang="ar-DZ" sz="3200" b="1" u="sng" dirty="0" smtClean="0">
-                <a:solidFill>
-                  <a:srgbClr val="FF0000"/>
-                </a:solidFill>
-              </a:rPr>
-              <a:t>:</a:t>
+              <a:t> :</a:t>
             </a:r>
             <a:endParaRPr lang="fr-FR" sz="3200" b="1" dirty="0">
               <a:solidFill>
@@ -6652,15 +6611,7 @@
                   <a:srgbClr val="FF0000"/>
                 </a:solidFill>
               </a:rPr>
-              <a:t>أقسام و دور لبنات التحكم </a:t>
-            </a:r>
-            <a:r>
-              <a:rPr lang="ar-DZ" sz="3200" b="1" u="sng" dirty="0" smtClean="0">
-                <a:solidFill>
-                  <a:srgbClr val="FF0000"/>
-                </a:solidFill>
-              </a:rPr>
-              <a:t>:</a:t>
+              <a:t>أقسام و دور لبنات التحكم :</a:t>
             </a:r>
           </a:p>
           <a:p>
@@ -6964,18 +6915,7 @@
                 <a:ea typeface="Times New Roman" panose="02020603050405020304" pitchFamily="18" charset="0"/>
                 <a:cs typeface="Times New Roman" panose="02020603050405020304" pitchFamily="18" charset="0"/>
               </a:rPr>
-              <a:t>تدريب </a:t>
-            </a:r>
-            <a:r>
-              <a:rPr lang="ar-DZ" sz="4400" b="1" u="sng" dirty="0" smtClean="0">
-                <a:solidFill>
-                  <a:srgbClr val="FF0000"/>
-                </a:solidFill>
-                <a:latin typeface="Calibri" panose="020F0502020204030204" pitchFamily="34" charset="0"/>
-                <a:ea typeface="Times New Roman" panose="02020603050405020304" pitchFamily="18" charset="0"/>
-                <a:cs typeface="Times New Roman" panose="02020603050405020304" pitchFamily="18" charset="0"/>
-              </a:rPr>
-              <a:t>:</a:t>
+              <a:t>تدريب :</a:t>
             </a:r>
             <a:r>
               <a:rPr lang="ar-DZ" sz="4400" b="1" dirty="0">
@@ -7113,8 +7053,29 @@
               <a:rPr lang="ar-DZ" sz="2800" dirty="0">
                 <a:cs typeface="+mj-cs"/>
               </a:rPr>
-              <a:t>الضغط على العلم الأخضر، ماذا تلاحظ؟ </a:t>
-            </a:r>
+              <a:t>الضغط على العلم الأخضر، ماذا </a:t>
+            </a:r>
+            <a:r>
+              <a:rPr lang="ar-DZ" sz="2800" dirty="0" smtClean="0">
+                <a:cs typeface="+mj-cs"/>
+              </a:rPr>
+              <a:t>تلاحظ</a:t>
+            </a:r>
+            <a:r>
+              <a:rPr lang="fr-FR" sz="2800" dirty="0" smtClean="0">
+                <a:cs typeface="+mj-cs"/>
+              </a:rPr>
+              <a:t> </a:t>
+            </a:r>
+            <a:r>
+              <a:rPr lang="ar-DZ" sz="2800" dirty="0" smtClean="0">
+                <a:cs typeface="+mj-cs"/>
+              </a:rPr>
+              <a:t>؟ </a:t>
+            </a:r>
+            <a:endParaRPr lang="ar-DZ" sz="2800" dirty="0">
+              <a:cs typeface="+mj-cs"/>
+            </a:endParaRPr>
           </a:p>
           <a:p>
             <a:pPr marL="571500" indent="-571500" algn="r" rtl="1">
@@ -7261,8 +7222,10 @@
       </p:sp>
       <p:pic>
         <p:nvPicPr>
-          <p:cNvPr id="5" name="Image 4"/>
-          <p:cNvPicPr/>
+          <p:cNvPr id="2" name="Image 1"/>
+          <p:cNvPicPr>
+            <a:picLocks noChangeAspect="1"/>
+          </p:cNvPicPr>
           <p:nvPr/>
         </p:nvPicPr>
         <p:blipFill>
@@ -7279,8 +7242,8 @@
         </p:blipFill>
         <p:spPr>
           <a:xfrm>
-            <a:off x="291546" y="289840"/>
-            <a:ext cx="5261113" cy="6389255"/>
+            <a:off x="543338" y="48297"/>
+            <a:ext cx="4598505" cy="6809703"/>
           </a:xfrm>
           <a:prstGeom prst="rect">
             <a:avLst/>
